--- a/PPT - Avance  (Marzo, 2024).pptx
+++ b/PPT - Avance  (Marzo, 2024).pptx
@@ -53,28 +53,29 @@
     <p:sldId id="319" r:id="rId47"/>
     <p:sldId id="329" r:id="rId48"/>
     <p:sldId id="330" r:id="rId49"/>
-    <p:sldId id="296" r:id="rId50"/>
-    <p:sldId id="308" r:id="rId51"/>
-    <p:sldId id="261" r:id="rId52"/>
-    <p:sldId id="316" r:id="rId53"/>
-    <p:sldId id="291" r:id="rId54"/>
-    <p:sldId id="300" r:id="rId55"/>
-    <p:sldId id="301" r:id="rId56"/>
-    <p:sldId id="318" r:id="rId57"/>
-    <p:sldId id="281" r:id="rId58"/>
-    <p:sldId id="313" r:id="rId59"/>
-    <p:sldId id="262" r:id="rId60"/>
-    <p:sldId id="306" r:id="rId61"/>
-    <p:sldId id="279" r:id="rId62"/>
-    <p:sldId id="266" r:id="rId63"/>
-    <p:sldId id="271" r:id="rId64"/>
-    <p:sldId id="274" r:id="rId65"/>
-    <p:sldId id="273" r:id="rId66"/>
-    <p:sldId id="272" r:id="rId67"/>
-    <p:sldId id="270" r:id="rId68"/>
-    <p:sldId id="275" r:id="rId69"/>
-    <p:sldId id="276" r:id="rId70"/>
-    <p:sldId id="268" r:id="rId71"/>
+    <p:sldId id="336" r:id="rId50"/>
+    <p:sldId id="296" r:id="rId51"/>
+    <p:sldId id="308" r:id="rId52"/>
+    <p:sldId id="261" r:id="rId53"/>
+    <p:sldId id="316" r:id="rId54"/>
+    <p:sldId id="291" r:id="rId55"/>
+    <p:sldId id="300" r:id="rId56"/>
+    <p:sldId id="301" r:id="rId57"/>
+    <p:sldId id="318" r:id="rId58"/>
+    <p:sldId id="281" r:id="rId59"/>
+    <p:sldId id="313" r:id="rId60"/>
+    <p:sldId id="262" r:id="rId61"/>
+    <p:sldId id="306" r:id="rId62"/>
+    <p:sldId id="279" r:id="rId63"/>
+    <p:sldId id="266" r:id="rId64"/>
+    <p:sldId id="271" r:id="rId65"/>
+    <p:sldId id="274" r:id="rId66"/>
+    <p:sldId id="273" r:id="rId67"/>
+    <p:sldId id="272" r:id="rId68"/>
+    <p:sldId id="270" r:id="rId69"/>
+    <p:sldId id="275" r:id="rId70"/>
+    <p:sldId id="276" r:id="rId71"/>
+    <p:sldId id="268" r:id="rId72"/>
   </p:sldIdLst>
   <p:sldSz cx="12192000" cy="6858000"/>
   <p:notesSz cx="6858000" cy="9144000"/>
@@ -234,6 +235,7 @@
             <p14:sldId id="319"/>
             <p14:sldId id="329"/>
             <p14:sldId id="330"/>
+            <p14:sldId id="336"/>
             <p14:sldId id="296"/>
             <p14:sldId id="308"/>
             <p14:sldId id="261"/>
@@ -8279,6 +8281,496 @@
     <c:autoTitleDeleted val="1"/>
     <c:plotArea>
       <c:layout/>
+      <c:barChart>
+        <c:barDir val="bar"/>
+        <c:grouping val="clustered"/>
+        <c:varyColors val="0"/>
+        <c:ser>
+          <c:idx val="0"/>
+          <c:order val="0"/>
+          <c:tx>
+            <c:v>Recibidas</c:v>
+          </c:tx>
+          <c:spPr>
+            <a:solidFill>
+              <a:schemeClr val="accent1"/>
+            </a:solidFill>
+            <a:ln>
+              <a:noFill/>
+            </a:ln>
+            <a:effectLst/>
+          </c:spPr>
+          <c:invertIfNegative val="0"/>
+          <c:dLbls>
+            <c:spPr>
+              <a:noFill/>
+              <a:ln>
+                <a:noFill/>
+              </a:ln>
+              <a:effectLst/>
+            </c:spPr>
+            <c:txPr>
+              <a:bodyPr rot="0" spcFirstLastPara="1" vertOverflow="ellipsis" vert="horz" wrap="square" lIns="38100" tIns="19050" rIns="38100" bIns="19050" anchor="ctr" anchorCtr="1">
+                <a:spAutoFit/>
+              </a:bodyPr>
+              <a:lstStyle/>
+              <a:p>
+                <a:pPr>
+                  <a:defRPr sz="1400" b="0" i="0" u="none" strike="noStrike" kern="1200" baseline="0">
+                    <a:solidFill>
+                      <a:schemeClr val="tx1">
+                        <a:lumMod val="75000"/>
+                        <a:lumOff val="25000"/>
+                      </a:schemeClr>
+                    </a:solidFill>
+                    <a:latin typeface="+mn-lt"/>
+                    <a:ea typeface="+mn-ea"/>
+                    <a:cs typeface="+mn-cs"/>
+                  </a:defRPr>
+                </a:pPr>
+                <a:endParaRPr lang="es-CL"/>
+              </a:p>
+            </c:txPr>
+            <c:dLblPos val="outEnd"/>
+            <c:showLegendKey val="0"/>
+            <c:showVal val="1"/>
+            <c:showCatName val="0"/>
+            <c:showSerName val="0"/>
+            <c:showPercent val="0"/>
+            <c:showBubbleSize val="0"/>
+            <c:showLeaderLines val="0"/>
+            <c:extLst>
+              <c:ext xmlns:c15="http://schemas.microsoft.com/office/drawing/2012/chart" uri="{CE6537A1-D6FC-4f65-9D91-7224C49458BB}">
+                <c15:showLeaderLines val="1"/>
+                <c15:leaderLines>
+                  <c:spPr>
+                    <a:ln w="9525" cap="flat" cmpd="sng" algn="ctr">
+                      <a:solidFill>
+                        <a:schemeClr val="tx1">
+                          <a:lumMod val="35000"/>
+                          <a:lumOff val="65000"/>
+                        </a:schemeClr>
+                      </a:solidFill>
+                      <a:round/>
+                    </a:ln>
+                    <a:effectLst/>
+                  </c:spPr>
+                </c15:leaderLines>
+              </c:ext>
+            </c:extLst>
+          </c:dLbls>
+          <c:cat>
+            <c:strRef>
+              <c:f>capacitaciones_recibidas_neces!$A$2:$A$11</c:f>
+              <c:strCache>
+                <c:ptCount val="10"/>
+                <c:pt idx="0">
+                  <c:v>Idioma extranjero</c:v>
+                </c:pt>
+                <c:pt idx="1">
+                  <c:v>Tour operador</c:v>
+                </c:pt>
+                <c:pt idx="2">
+                  <c:v>Guido turístico</c:v>
+                </c:pt>
+                <c:pt idx="3">
+                  <c:v>Primeros auxilios y seguridad</c:v>
+                </c:pt>
+                <c:pt idx="4">
+                  <c:v>Gastronomía</c:v>
+                </c:pt>
+                <c:pt idx="5">
+                  <c:v>Diseño de productos turísticos</c:v>
+                </c:pt>
+                <c:pt idx="6">
+                  <c:v>Gestión del negocio</c:v>
+                </c:pt>
+                <c:pt idx="7">
+                  <c:v>Parimonio</c:v>
+                </c:pt>
+                <c:pt idx="8">
+                  <c:v>Venta y promoción de servicio turístico </c:v>
+                </c:pt>
+                <c:pt idx="9">
+                  <c:v>Atención al turista</c:v>
+                </c:pt>
+              </c:strCache>
+            </c:strRef>
+          </c:cat>
+          <c:val>
+            <c:numRef>
+              <c:f>capacitaciones_recibidas_neces!$C$2:$C$11</c:f>
+              <c:numCache>
+                <c:formatCode>General</c:formatCode>
+                <c:ptCount val="10"/>
+                <c:pt idx="0">
+                  <c:v>23</c:v>
+                </c:pt>
+                <c:pt idx="1">
+                  <c:v>23</c:v>
+                </c:pt>
+                <c:pt idx="2">
+                  <c:v>28</c:v>
+                </c:pt>
+                <c:pt idx="3">
+                  <c:v>29</c:v>
+                </c:pt>
+                <c:pt idx="4">
+                  <c:v>33</c:v>
+                </c:pt>
+                <c:pt idx="5">
+                  <c:v>37</c:v>
+                </c:pt>
+                <c:pt idx="6">
+                  <c:v>37</c:v>
+                </c:pt>
+                <c:pt idx="7">
+                  <c:v>39</c:v>
+                </c:pt>
+                <c:pt idx="8">
+                  <c:v>39</c:v>
+                </c:pt>
+                <c:pt idx="9">
+                  <c:v>53</c:v>
+                </c:pt>
+              </c:numCache>
+            </c:numRef>
+          </c:val>
+          <c:extLst>
+            <c:ext xmlns:c16="http://schemas.microsoft.com/office/drawing/2014/chart" uri="{C3380CC4-5D6E-409C-BE32-E72D297353CC}">
+              <c16:uniqueId val="{00000000-C833-45F0-B656-1CC2610689F0}"/>
+            </c:ext>
+          </c:extLst>
+        </c:ser>
+        <c:ser>
+          <c:idx val="1"/>
+          <c:order val="1"/>
+          <c:tx>
+            <c:v>Necesitadas</c:v>
+          </c:tx>
+          <c:spPr>
+            <a:solidFill>
+              <a:schemeClr val="accent2"/>
+            </a:solidFill>
+            <a:ln>
+              <a:noFill/>
+            </a:ln>
+            <a:effectLst/>
+          </c:spPr>
+          <c:invertIfNegative val="0"/>
+          <c:dLbls>
+            <c:spPr>
+              <a:noFill/>
+              <a:ln>
+                <a:noFill/>
+              </a:ln>
+              <a:effectLst/>
+            </c:spPr>
+            <c:txPr>
+              <a:bodyPr rot="0" spcFirstLastPara="1" vertOverflow="ellipsis" vert="horz" wrap="square" lIns="38100" tIns="19050" rIns="38100" bIns="19050" anchor="ctr" anchorCtr="1">
+                <a:spAutoFit/>
+              </a:bodyPr>
+              <a:lstStyle/>
+              <a:p>
+                <a:pPr>
+                  <a:defRPr sz="1100" b="0" i="0" u="none" strike="noStrike" kern="1200" baseline="0">
+                    <a:solidFill>
+                      <a:schemeClr val="tx1">
+                        <a:lumMod val="75000"/>
+                        <a:lumOff val="25000"/>
+                      </a:schemeClr>
+                    </a:solidFill>
+                    <a:latin typeface="+mn-lt"/>
+                    <a:ea typeface="+mn-ea"/>
+                    <a:cs typeface="+mn-cs"/>
+                  </a:defRPr>
+                </a:pPr>
+                <a:endParaRPr lang="es-CL"/>
+              </a:p>
+            </c:txPr>
+            <c:dLblPos val="outEnd"/>
+            <c:showLegendKey val="0"/>
+            <c:showVal val="1"/>
+            <c:showCatName val="0"/>
+            <c:showSerName val="0"/>
+            <c:showPercent val="0"/>
+            <c:showBubbleSize val="0"/>
+            <c:showLeaderLines val="0"/>
+            <c:extLst>
+              <c:ext xmlns:c15="http://schemas.microsoft.com/office/drawing/2012/chart" uri="{CE6537A1-D6FC-4f65-9D91-7224C49458BB}">
+                <c15:showLeaderLines val="0"/>
+              </c:ext>
+            </c:extLst>
+          </c:dLbls>
+          <c:cat>
+            <c:strRef>
+              <c:f>capacitaciones_recibidas_neces!$A$2:$A$11</c:f>
+              <c:strCache>
+                <c:ptCount val="10"/>
+                <c:pt idx="0">
+                  <c:v>Idioma extranjero</c:v>
+                </c:pt>
+                <c:pt idx="1">
+                  <c:v>Tour operador</c:v>
+                </c:pt>
+                <c:pt idx="2">
+                  <c:v>Guido turístico</c:v>
+                </c:pt>
+                <c:pt idx="3">
+                  <c:v>Primeros auxilios y seguridad</c:v>
+                </c:pt>
+                <c:pt idx="4">
+                  <c:v>Gastronomía</c:v>
+                </c:pt>
+                <c:pt idx="5">
+                  <c:v>Diseño de productos turísticos</c:v>
+                </c:pt>
+                <c:pt idx="6">
+                  <c:v>Gestión del negocio</c:v>
+                </c:pt>
+                <c:pt idx="7">
+                  <c:v>Parimonio</c:v>
+                </c:pt>
+                <c:pt idx="8">
+                  <c:v>Venta y promoción de servicio turístico </c:v>
+                </c:pt>
+                <c:pt idx="9">
+                  <c:v>Atención al turista</c:v>
+                </c:pt>
+              </c:strCache>
+            </c:strRef>
+          </c:cat>
+          <c:val>
+            <c:numRef>
+              <c:f>capacitaciones_recibidas_neces!$E$2:$E$11</c:f>
+              <c:numCache>
+                <c:formatCode>0;0</c:formatCode>
+                <c:ptCount val="10"/>
+                <c:pt idx="0">
+                  <c:v>-45</c:v>
+                </c:pt>
+                <c:pt idx="1">
+                  <c:v>-26</c:v>
+                </c:pt>
+                <c:pt idx="2">
+                  <c:v>-19</c:v>
+                </c:pt>
+                <c:pt idx="3">
+                  <c:v>-36</c:v>
+                </c:pt>
+                <c:pt idx="4">
+                  <c:v>-19</c:v>
+                </c:pt>
+                <c:pt idx="5">
+                  <c:v>-33</c:v>
+                </c:pt>
+                <c:pt idx="6">
+                  <c:v>-47</c:v>
+                </c:pt>
+                <c:pt idx="7">
+                  <c:v>-31</c:v>
+                </c:pt>
+                <c:pt idx="8">
+                  <c:v>-35</c:v>
+                </c:pt>
+                <c:pt idx="9">
+                  <c:v>-22</c:v>
+                </c:pt>
+              </c:numCache>
+            </c:numRef>
+          </c:val>
+          <c:extLst>
+            <c:ext xmlns:c16="http://schemas.microsoft.com/office/drawing/2014/chart" uri="{C3380CC4-5D6E-409C-BE32-E72D297353CC}">
+              <c16:uniqueId val="{00000001-C833-45F0-B656-1CC2610689F0}"/>
+            </c:ext>
+          </c:extLst>
+        </c:ser>
+        <c:dLbls>
+          <c:dLblPos val="outEnd"/>
+          <c:showLegendKey val="0"/>
+          <c:showVal val="1"/>
+          <c:showCatName val="0"/>
+          <c:showSerName val="0"/>
+          <c:showPercent val="0"/>
+          <c:showBubbleSize val="0"/>
+        </c:dLbls>
+        <c:gapWidth val="65"/>
+        <c:overlap val="100"/>
+        <c:axId val="1060174975"/>
+        <c:axId val="1060198015"/>
+      </c:barChart>
+      <c:dateAx>
+        <c:axId val="1060174975"/>
+        <c:scaling>
+          <c:orientation val="minMax"/>
+        </c:scaling>
+        <c:delete val="0"/>
+        <c:axPos val="l"/>
+        <c:numFmt formatCode="General" sourceLinked="1"/>
+        <c:majorTickMark val="none"/>
+        <c:minorTickMark val="none"/>
+        <c:tickLblPos val="low"/>
+        <c:spPr>
+          <a:noFill/>
+          <a:ln w="9525" cap="flat" cmpd="sng" algn="ctr">
+            <a:solidFill>
+              <a:schemeClr val="tx1">
+                <a:lumMod val="15000"/>
+                <a:lumOff val="85000"/>
+              </a:schemeClr>
+            </a:solidFill>
+            <a:round/>
+          </a:ln>
+          <a:effectLst/>
+        </c:spPr>
+        <c:txPr>
+          <a:bodyPr rot="-60000000" spcFirstLastPara="1" vertOverflow="ellipsis" vert="horz" wrap="square" anchor="ctr" anchorCtr="1"/>
+          <a:lstStyle/>
+          <a:p>
+            <a:pPr>
+              <a:defRPr sz="900" b="0" i="0" u="none" strike="noStrike" kern="1200" baseline="0">
+                <a:solidFill>
+                  <a:schemeClr val="tx1">
+                    <a:lumMod val="65000"/>
+                    <a:lumOff val="35000"/>
+                  </a:schemeClr>
+                </a:solidFill>
+                <a:latin typeface="+mn-lt"/>
+                <a:ea typeface="+mn-ea"/>
+                <a:cs typeface="+mn-cs"/>
+              </a:defRPr>
+            </a:pPr>
+            <a:endParaRPr lang="es-CL"/>
+          </a:p>
+        </c:txPr>
+        <c:crossAx val="1060198015"/>
+        <c:crosses val="autoZero"/>
+        <c:auto val="0"/>
+        <c:lblOffset val="100"/>
+        <c:baseTimeUnit val="days"/>
+      </c:dateAx>
+      <c:valAx>
+        <c:axId val="1060198015"/>
+        <c:scaling>
+          <c:orientation val="minMax"/>
+        </c:scaling>
+        <c:delete val="1"/>
+        <c:axPos val="b"/>
+        <c:majorGridlines>
+          <c:spPr>
+            <a:ln w="9525" cap="flat" cmpd="sng" algn="ctr">
+              <a:solidFill>
+                <a:schemeClr val="tx1">
+                  <a:lumMod val="15000"/>
+                  <a:lumOff val="85000"/>
+                </a:schemeClr>
+              </a:solidFill>
+              <a:round/>
+            </a:ln>
+            <a:effectLst/>
+          </c:spPr>
+        </c:majorGridlines>
+        <c:numFmt formatCode="General" sourceLinked="1"/>
+        <c:majorTickMark val="none"/>
+        <c:minorTickMark val="none"/>
+        <c:tickLblPos val="nextTo"/>
+        <c:crossAx val="1060174975"/>
+        <c:crosses val="autoZero"/>
+        <c:crossBetween val="between"/>
+      </c:valAx>
+      <c:spPr>
+        <a:noFill/>
+        <a:ln>
+          <a:noFill/>
+        </a:ln>
+        <a:effectLst/>
+      </c:spPr>
+    </c:plotArea>
+    <c:legend>
+      <c:legendPos val="b"/>
+      <c:layout>
+        <c:manualLayout>
+          <c:xMode val="edge"/>
+          <c:yMode val="edge"/>
+          <c:x val="0.5456377306863488"/>
+          <c:y val="0.89595851182052189"/>
+          <c:w val="0.19239165852069079"/>
+          <c:h val="6.7853309651130775E-2"/>
+        </c:manualLayout>
+      </c:layout>
+      <c:overlay val="0"/>
+      <c:spPr>
+        <a:noFill/>
+        <a:ln>
+          <a:noFill/>
+        </a:ln>
+        <a:effectLst/>
+      </c:spPr>
+      <c:txPr>
+        <a:bodyPr rot="0" spcFirstLastPara="1" vertOverflow="ellipsis" vert="horz" wrap="square" anchor="ctr" anchorCtr="1"/>
+        <a:lstStyle/>
+        <a:p>
+          <a:pPr>
+            <a:defRPr sz="900" b="0" i="0" u="none" strike="noStrike" kern="1200" baseline="0">
+              <a:solidFill>
+                <a:schemeClr val="tx1">
+                  <a:lumMod val="65000"/>
+                  <a:lumOff val="35000"/>
+                </a:schemeClr>
+              </a:solidFill>
+              <a:latin typeface="+mn-lt"/>
+              <a:ea typeface="+mn-ea"/>
+              <a:cs typeface="+mn-cs"/>
+            </a:defRPr>
+          </a:pPr>
+          <a:endParaRPr lang="es-CL"/>
+        </a:p>
+      </c:txPr>
+    </c:legend>
+    <c:plotVisOnly val="1"/>
+    <c:dispBlanksAs val="gap"/>
+    <c:showDLblsOverMax val="0"/>
+  </c:chart>
+  <c:spPr>
+    <a:noFill/>
+    <a:ln>
+      <a:noFill/>
+    </a:ln>
+    <a:effectLst/>
+  </c:spPr>
+  <c:txPr>
+    <a:bodyPr/>
+    <a:lstStyle/>
+    <a:p>
+      <a:pPr>
+        <a:defRPr/>
+      </a:pPr>
+      <a:endParaRPr lang="es-CL"/>
+    </a:p>
+  </c:txPr>
+  <c:externalData r:id="rId3">
+    <c:autoUpdate val="0"/>
+  </c:externalData>
+</c:chartSpace>
+</file>
+
+<file path=ppt/charts/chart36.xml><?xml version="1.0" encoding="utf-8"?>
+<c:chartSpace xmlns:c="http://schemas.openxmlformats.org/drawingml/2006/chart" xmlns:a="http://schemas.openxmlformats.org/drawingml/2006/main" xmlns:r="http://schemas.openxmlformats.org/officeDocument/2006/relationships" xmlns:c16r2="http://schemas.microsoft.com/office/drawing/2015/06/chart">
+  <c:date1904 val="0"/>
+  <c:lang val="es-ES"/>
+  <c:roundedCorners val="0"/>
+  <mc:AlternateContent xmlns:mc="http://schemas.openxmlformats.org/markup-compatibility/2006">
+    <mc:Choice xmlns:c14="http://schemas.microsoft.com/office/drawing/2007/8/2/chart" Requires="c14">
+      <c14:style val="102"/>
+    </mc:Choice>
+    <mc:Fallback>
+      <c:style val="2"/>
+    </mc:Fallback>
+  </mc:AlternateContent>
+  <c:chart>
+    <c:autoTitleDeleted val="1"/>
+    <c:plotArea>
+      <c:layout/>
       <c:doughnutChart>
         <c:varyColors val="1"/>
         <c:ser>
@@ -8560,7 +9052,7 @@
 </c:chartSpace>
 </file>
 
-<file path=ppt/charts/chart36.xml><?xml version="1.0" encoding="utf-8"?>
+<file path=ppt/charts/chart37.xml><?xml version="1.0" encoding="utf-8"?>
 <c:chartSpace xmlns:c="http://schemas.openxmlformats.org/drawingml/2006/chart" xmlns:a="http://schemas.openxmlformats.org/drawingml/2006/main" xmlns:r="http://schemas.openxmlformats.org/officeDocument/2006/relationships" xmlns:c16r2="http://schemas.microsoft.com/office/drawing/2015/06/chart">
   <c:date1904 val="0"/>
   <c:lang val="es-ES"/>
@@ -8862,7 +9354,7 @@
 </c:chartSpace>
 </file>
 
-<file path=ppt/charts/chart37.xml><?xml version="1.0" encoding="utf-8"?>
+<file path=ppt/charts/chart38.xml><?xml version="1.0" encoding="utf-8"?>
 <c:chartSpace xmlns:c="http://schemas.openxmlformats.org/drawingml/2006/chart" xmlns:a="http://schemas.openxmlformats.org/drawingml/2006/main" xmlns:r="http://schemas.openxmlformats.org/officeDocument/2006/relationships" xmlns:c16r2="http://schemas.microsoft.com/office/drawing/2015/06/chart">
   <c:date1904 val="0"/>
   <c:lang val="es-ES"/>
@@ -9071,7 +9563,7 @@
 </c:chartSpace>
 </file>
 
-<file path=ppt/charts/chart38.xml><?xml version="1.0" encoding="utf-8"?>
+<file path=ppt/charts/chart39.xml><?xml version="1.0" encoding="utf-8"?>
 <c:chartSpace xmlns:c="http://schemas.openxmlformats.org/drawingml/2006/chart" xmlns:a="http://schemas.openxmlformats.org/drawingml/2006/main" xmlns:r="http://schemas.openxmlformats.org/officeDocument/2006/relationships" xmlns:c16r2="http://schemas.microsoft.com/office/drawing/2015/06/chart">
   <c:date1904 val="0"/>
   <c:lang val="es-ES"/>
@@ -9288,253 +9780,6 @@
         </a:p>
       </c:txPr>
     </c:legend>
-    <c:plotVisOnly val="1"/>
-    <c:dispBlanksAs val="gap"/>
-    <c:extLst>
-      <c:ext xmlns:c16r3="http://schemas.microsoft.com/office/drawing/2017/03/chart" uri="{56B9EC1D-385E-4148-901F-78D8002777C0}">
-        <c16r3:dataDisplayOptions16>
-          <c16r3:dispNaAsBlank val="1"/>
-        </c16r3:dataDisplayOptions16>
-      </c:ext>
-    </c:extLst>
-    <c:showDLblsOverMax val="0"/>
-  </c:chart>
-  <c:spPr>
-    <a:noFill/>
-    <a:ln>
-      <a:noFill/>
-    </a:ln>
-    <a:effectLst/>
-  </c:spPr>
-  <c:txPr>
-    <a:bodyPr/>
-    <a:lstStyle/>
-    <a:p>
-      <a:pPr>
-        <a:defRPr/>
-      </a:pPr>
-      <a:endParaRPr lang="es-CL"/>
-    </a:p>
-  </c:txPr>
-  <c:externalData r:id="rId3">
-    <c:autoUpdate val="0"/>
-  </c:externalData>
-</c:chartSpace>
-</file>
-
-<file path=ppt/charts/chart39.xml><?xml version="1.0" encoding="utf-8"?>
-<c:chartSpace xmlns:c="http://schemas.openxmlformats.org/drawingml/2006/chart" xmlns:a="http://schemas.openxmlformats.org/drawingml/2006/main" xmlns:r="http://schemas.openxmlformats.org/officeDocument/2006/relationships" xmlns:c16r2="http://schemas.microsoft.com/office/drawing/2015/06/chart">
-  <c:date1904 val="0"/>
-  <c:lang val="es-ES"/>
-  <c:roundedCorners val="0"/>
-  <mc:AlternateContent xmlns:mc="http://schemas.openxmlformats.org/markup-compatibility/2006">
-    <mc:Choice xmlns:c14="http://schemas.microsoft.com/office/drawing/2007/8/2/chart" Requires="c14">
-      <c14:style val="102"/>
-    </mc:Choice>
-    <mc:Fallback>
-      <c:style val="2"/>
-    </mc:Fallback>
-  </mc:AlternateContent>
-  <c:chart>
-    <c:autoTitleDeleted val="1"/>
-    <c:plotArea>
-      <c:layout/>
-      <c:barChart>
-        <c:barDir val="col"/>
-        <c:grouping val="clustered"/>
-        <c:varyColors val="0"/>
-        <c:ser>
-          <c:idx val="0"/>
-          <c:order val="0"/>
-          <c:spPr>
-            <a:solidFill>
-              <a:schemeClr val="accent1"/>
-            </a:solidFill>
-            <a:ln>
-              <a:noFill/>
-            </a:ln>
-            <a:effectLst/>
-          </c:spPr>
-          <c:invertIfNegative val="0"/>
-          <c:dLbls>
-            <c:spPr>
-              <a:noFill/>
-              <a:ln>
-                <a:noFill/>
-              </a:ln>
-              <a:effectLst/>
-            </c:spPr>
-            <c:txPr>
-              <a:bodyPr rot="0" spcFirstLastPara="1" vertOverflow="ellipsis" vert="horz" wrap="square" lIns="38100" tIns="19050" rIns="38100" bIns="19050" anchor="ctr" anchorCtr="1">
-                <a:spAutoFit/>
-              </a:bodyPr>
-              <a:lstStyle/>
-              <a:p>
-                <a:pPr>
-                  <a:defRPr sz="1800" b="0" i="0" u="none" strike="noStrike" kern="1200" baseline="0">
-                    <a:solidFill>
-                      <a:schemeClr val="tx1">
-                        <a:lumMod val="75000"/>
-                        <a:lumOff val="25000"/>
-                      </a:schemeClr>
-                    </a:solidFill>
-                    <a:latin typeface="+mn-lt"/>
-                    <a:ea typeface="+mn-ea"/>
-                    <a:cs typeface="+mn-cs"/>
-                  </a:defRPr>
-                </a:pPr>
-                <a:endParaRPr lang="es-CL"/>
-              </a:p>
-            </c:txPr>
-            <c:showLegendKey val="0"/>
-            <c:showVal val="1"/>
-            <c:showCatName val="0"/>
-            <c:showSerName val="0"/>
-            <c:showPercent val="0"/>
-            <c:showBubbleSize val="0"/>
-            <c:showLeaderLines val="0"/>
-            <c:extLst>
-              <c:ext xmlns:c15="http://schemas.microsoft.com/office/drawing/2012/chart" uri="{CE6537A1-D6FC-4f65-9D91-7224C49458BB}">
-                <c15:showLeaderLines val="1"/>
-                <c15:leaderLines>
-                  <c:spPr>
-                    <a:ln w="9525" cap="flat" cmpd="sng" algn="ctr">
-                      <a:solidFill>
-                        <a:schemeClr val="tx1">
-                          <a:lumMod val="35000"/>
-                          <a:lumOff val="65000"/>
-                        </a:schemeClr>
-                      </a:solidFill>
-                      <a:round/>
-                    </a:ln>
-                    <a:effectLst/>
-                  </c:spPr>
-                </c15:leaderLines>
-              </c:ext>
-            </c:extLst>
-          </c:dLbls>
-          <c:cat>
-            <c:strRef>
-              <c:f>(normas_comportamiento_personas!$A$2,normas_comportamiento_personas!$A$4)</c:f>
-              <c:strCache>
-                <c:ptCount val="2"/>
-                <c:pt idx="0">
-                  <c:v>No</c:v>
-                </c:pt>
-                <c:pt idx="1">
-                  <c:v>SÍ</c:v>
-                </c:pt>
-              </c:strCache>
-            </c:strRef>
-          </c:cat>
-          <c:val>
-            <c:numRef>
-              <c:f>(normas_comportamiento_personas!$D$2,normas_comportamiento_personas!$D$4)</c:f>
-              <c:numCache>
-                <c:formatCode>0%</c:formatCode>
-                <c:ptCount val="2"/>
-                <c:pt idx="0">
-                  <c:v>0.13333333333333333</c:v>
-                </c:pt>
-                <c:pt idx="1">
-                  <c:v>0.8666666666666667</c:v>
-                </c:pt>
-              </c:numCache>
-            </c:numRef>
-          </c:val>
-          <c:extLst>
-            <c:ext xmlns:c16="http://schemas.microsoft.com/office/drawing/2014/chart" uri="{C3380CC4-5D6E-409C-BE32-E72D297353CC}">
-              <c16:uniqueId val="{00000000-FDEF-4DBC-AB56-B52A9492EA5C}"/>
-            </c:ext>
-          </c:extLst>
-        </c:ser>
-        <c:dLbls>
-          <c:showLegendKey val="0"/>
-          <c:showVal val="1"/>
-          <c:showCatName val="0"/>
-          <c:showSerName val="0"/>
-          <c:showPercent val="0"/>
-          <c:showBubbleSize val="0"/>
-        </c:dLbls>
-        <c:gapWidth val="150"/>
-        <c:overlap val="-25"/>
-        <c:axId val="1206505008"/>
-        <c:axId val="1206485808"/>
-      </c:barChart>
-      <c:catAx>
-        <c:axId val="1206505008"/>
-        <c:scaling>
-          <c:orientation val="minMax"/>
-        </c:scaling>
-        <c:delete val="0"/>
-        <c:axPos val="b"/>
-        <c:numFmt formatCode="General" sourceLinked="1"/>
-        <c:majorTickMark val="none"/>
-        <c:minorTickMark val="none"/>
-        <c:tickLblPos val="nextTo"/>
-        <c:spPr>
-          <a:noFill/>
-          <a:ln w="9525" cap="flat" cmpd="sng" algn="ctr">
-            <a:solidFill>
-              <a:schemeClr val="tx1">
-                <a:lumMod val="15000"/>
-                <a:lumOff val="85000"/>
-              </a:schemeClr>
-            </a:solidFill>
-            <a:round/>
-          </a:ln>
-          <a:effectLst/>
-        </c:spPr>
-        <c:txPr>
-          <a:bodyPr rot="-60000000" spcFirstLastPara="1" vertOverflow="ellipsis" vert="horz" wrap="square" anchor="ctr" anchorCtr="1"/>
-          <a:lstStyle/>
-          <a:p>
-            <a:pPr>
-              <a:defRPr sz="1400" b="0" i="0" u="none" strike="noStrike" kern="1200" baseline="0">
-                <a:solidFill>
-                  <a:schemeClr val="tx1">
-                    <a:lumMod val="65000"/>
-                    <a:lumOff val="35000"/>
-                  </a:schemeClr>
-                </a:solidFill>
-                <a:latin typeface="+mn-lt"/>
-                <a:ea typeface="+mn-ea"/>
-                <a:cs typeface="+mn-cs"/>
-              </a:defRPr>
-            </a:pPr>
-            <a:endParaRPr lang="es-CL"/>
-          </a:p>
-        </c:txPr>
-        <c:crossAx val="1206485808"/>
-        <c:crosses val="autoZero"/>
-        <c:auto val="1"/>
-        <c:lblAlgn val="ctr"/>
-        <c:lblOffset val="100"/>
-        <c:noMultiLvlLbl val="0"/>
-      </c:catAx>
-      <c:valAx>
-        <c:axId val="1206485808"/>
-        <c:scaling>
-          <c:orientation val="minMax"/>
-        </c:scaling>
-        <c:delete val="1"/>
-        <c:axPos val="l"/>
-        <c:numFmt formatCode="0%" sourceLinked="1"/>
-        <c:majorTickMark val="out"/>
-        <c:minorTickMark val="none"/>
-        <c:tickLblPos val="nextTo"/>
-        <c:crossAx val="1206505008"/>
-        <c:crosses val="autoZero"/>
-        <c:crossBetween val="between"/>
-      </c:valAx>
-      <c:spPr>
-        <a:noFill/>
-        <a:ln>
-          <a:noFill/>
-        </a:ln>
-        <a:effectLst/>
-      </c:spPr>
-    </c:plotArea>
     <c:plotVisOnly val="1"/>
     <c:dispBlanksAs val="gap"/>
     <c:extLst>
@@ -10133,6 +10378,253 @@
               <a:lstStyle/>
               <a:p>
                 <a:pPr>
+                  <a:defRPr sz="1800" b="0" i="0" u="none" strike="noStrike" kern="1200" baseline="0">
+                    <a:solidFill>
+                      <a:schemeClr val="tx1">
+                        <a:lumMod val="75000"/>
+                        <a:lumOff val="25000"/>
+                      </a:schemeClr>
+                    </a:solidFill>
+                    <a:latin typeface="+mn-lt"/>
+                    <a:ea typeface="+mn-ea"/>
+                    <a:cs typeface="+mn-cs"/>
+                  </a:defRPr>
+                </a:pPr>
+                <a:endParaRPr lang="es-CL"/>
+              </a:p>
+            </c:txPr>
+            <c:showLegendKey val="0"/>
+            <c:showVal val="1"/>
+            <c:showCatName val="0"/>
+            <c:showSerName val="0"/>
+            <c:showPercent val="0"/>
+            <c:showBubbleSize val="0"/>
+            <c:showLeaderLines val="0"/>
+            <c:extLst>
+              <c:ext xmlns:c15="http://schemas.microsoft.com/office/drawing/2012/chart" uri="{CE6537A1-D6FC-4f65-9D91-7224C49458BB}">
+                <c15:showLeaderLines val="1"/>
+                <c15:leaderLines>
+                  <c:spPr>
+                    <a:ln w="9525" cap="flat" cmpd="sng" algn="ctr">
+                      <a:solidFill>
+                        <a:schemeClr val="tx1">
+                          <a:lumMod val="35000"/>
+                          <a:lumOff val="65000"/>
+                        </a:schemeClr>
+                      </a:solidFill>
+                      <a:round/>
+                    </a:ln>
+                    <a:effectLst/>
+                  </c:spPr>
+                </c15:leaderLines>
+              </c:ext>
+            </c:extLst>
+          </c:dLbls>
+          <c:cat>
+            <c:strRef>
+              <c:f>(normas_comportamiento_personas!$A$2,normas_comportamiento_personas!$A$4)</c:f>
+              <c:strCache>
+                <c:ptCount val="2"/>
+                <c:pt idx="0">
+                  <c:v>No</c:v>
+                </c:pt>
+                <c:pt idx="1">
+                  <c:v>SÍ</c:v>
+                </c:pt>
+              </c:strCache>
+            </c:strRef>
+          </c:cat>
+          <c:val>
+            <c:numRef>
+              <c:f>(normas_comportamiento_personas!$D$2,normas_comportamiento_personas!$D$4)</c:f>
+              <c:numCache>
+                <c:formatCode>0%</c:formatCode>
+                <c:ptCount val="2"/>
+                <c:pt idx="0">
+                  <c:v>0.13333333333333333</c:v>
+                </c:pt>
+                <c:pt idx="1">
+                  <c:v>0.8666666666666667</c:v>
+                </c:pt>
+              </c:numCache>
+            </c:numRef>
+          </c:val>
+          <c:extLst>
+            <c:ext xmlns:c16="http://schemas.microsoft.com/office/drawing/2014/chart" uri="{C3380CC4-5D6E-409C-BE32-E72D297353CC}">
+              <c16:uniqueId val="{00000000-FDEF-4DBC-AB56-B52A9492EA5C}"/>
+            </c:ext>
+          </c:extLst>
+        </c:ser>
+        <c:dLbls>
+          <c:showLegendKey val="0"/>
+          <c:showVal val="1"/>
+          <c:showCatName val="0"/>
+          <c:showSerName val="0"/>
+          <c:showPercent val="0"/>
+          <c:showBubbleSize val="0"/>
+        </c:dLbls>
+        <c:gapWidth val="150"/>
+        <c:overlap val="-25"/>
+        <c:axId val="1206505008"/>
+        <c:axId val="1206485808"/>
+      </c:barChart>
+      <c:catAx>
+        <c:axId val="1206505008"/>
+        <c:scaling>
+          <c:orientation val="minMax"/>
+        </c:scaling>
+        <c:delete val="0"/>
+        <c:axPos val="b"/>
+        <c:numFmt formatCode="General" sourceLinked="1"/>
+        <c:majorTickMark val="none"/>
+        <c:minorTickMark val="none"/>
+        <c:tickLblPos val="nextTo"/>
+        <c:spPr>
+          <a:noFill/>
+          <a:ln w="9525" cap="flat" cmpd="sng" algn="ctr">
+            <a:solidFill>
+              <a:schemeClr val="tx1">
+                <a:lumMod val="15000"/>
+                <a:lumOff val="85000"/>
+              </a:schemeClr>
+            </a:solidFill>
+            <a:round/>
+          </a:ln>
+          <a:effectLst/>
+        </c:spPr>
+        <c:txPr>
+          <a:bodyPr rot="-60000000" spcFirstLastPara="1" vertOverflow="ellipsis" vert="horz" wrap="square" anchor="ctr" anchorCtr="1"/>
+          <a:lstStyle/>
+          <a:p>
+            <a:pPr>
+              <a:defRPr sz="1400" b="0" i="0" u="none" strike="noStrike" kern="1200" baseline="0">
+                <a:solidFill>
+                  <a:schemeClr val="tx1">
+                    <a:lumMod val="65000"/>
+                    <a:lumOff val="35000"/>
+                  </a:schemeClr>
+                </a:solidFill>
+                <a:latin typeface="+mn-lt"/>
+                <a:ea typeface="+mn-ea"/>
+                <a:cs typeface="+mn-cs"/>
+              </a:defRPr>
+            </a:pPr>
+            <a:endParaRPr lang="es-CL"/>
+          </a:p>
+        </c:txPr>
+        <c:crossAx val="1206485808"/>
+        <c:crosses val="autoZero"/>
+        <c:auto val="1"/>
+        <c:lblAlgn val="ctr"/>
+        <c:lblOffset val="100"/>
+        <c:noMultiLvlLbl val="0"/>
+      </c:catAx>
+      <c:valAx>
+        <c:axId val="1206485808"/>
+        <c:scaling>
+          <c:orientation val="minMax"/>
+        </c:scaling>
+        <c:delete val="1"/>
+        <c:axPos val="l"/>
+        <c:numFmt formatCode="0%" sourceLinked="1"/>
+        <c:majorTickMark val="out"/>
+        <c:minorTickMark val="none"/>
+        <c:tickLblPos val="nextTo"/>
+        <c:crossAx val="1206505008"/>
+        <c:crosses val="autoZero"/>
+        <c:crossBetween val="between"/>
+      </c:valAx>
+      <c:spPr>
+        <a:noFill/>
+        <a:ln>
+          <a:noFill/>
+        </a:ln>
+        <a:effectLst/>
+      </c:spPr>
+    </c:plotArea>
+    <c:plotVisOnly val="1"/>
+    <c:dispBlanksAs val="gap"/>
+    <c:extLst>
+      <c:ext xmlns:c16r3="http://schemas.microsoft.com/office/drawing/2017/03/chart" uri="{56B9EC1D-385E-4148-901F-78D8002777C0}">
+        <c16r3:dataDisplayOptions16>
+          <c16r3:dispNaAsBlank val="1"/>
+        </c16r3:dataDisplayOptions16>
+      </c:ext>
+    </c:extLst>
+    <c:showDLblsOverMax val="0"/>
+  </c:chart>
+  <c:spPr>
+    <a:noFill/>
+    <a:ln>
+      <a:noFill/>
+    </a:ln>
+    <a:effectLst/>
+  </c:spPr>
+  <c:txPr>
+    <a:bodyPr/>
+    <a:lstStyle/>
+    <a:p>
+      <a:pPr>
+        <a:defRPr/>
+      </a:pPr>
+      <a:endParaRPr lang="es-CL"/>
+    </a:p>
+  </c:txPr>
+  <c:externalData r:id="rId3">
+    <c:autoUpdate val="0"/>
+  </c:externalData>
+</c:chartSpace>
+</file>
+
+<file path=ppt/charts/chart41.xml><?xml version="1.0" encoding="utf-8"?>
+<c:chartSpace xmlns:c="http://schemas.openxmlformats.org/drawingml/2006/chart" xmlns:a="http://schemas.openxmlformats.org/drawingml/2006/main" xmlns:r="http://schemas.openxmlformats.org/officeDocument/2006/relationships" xmlns:c16r2="http://schemas.microsoft.com/office/drawing/2015/06/chart">
+  <c:date1904 val="0"/>
+  <c:lang val="es-ES"/>
+  <c:roundedCorners val="0"/>
+  <mc:AlternateContent xmlns:mc="http://schemas.openxmlformats.org/markup-compatibility/2006">
+    <mc:Choice xmlns:c14="http://schemas.microsoft.com/office/drawing/2007/8/2/chart" Requires="c14">
+      <c14:style val="102"/>
+    </mc:Choice>
+    <mc:Fallback>
+      <c:style val="2"/>
+    </mc:Fallback>
+  </mc:AlternateContent>
+  <c:chart>
+    <c:autoTitleDeleted val="1"/>
+    <c:plotArea>
+      <c:layout/>
+      <c:barChart>
+        <c:barDir val="col"/>
+        <c:grouping val="clustered"/>
+        <c:varyColors val="0"/>
+        <c:ser>
+          <c:idx val="0"/>
+          <c:order val="0"/>
+          <c:spPr>
+            <a:solidFill>
+              <a:schemeClr val="accent1"/>
+            </a:solidFill>
+            <a:ln>
+              <a:noFill/>
+            </a:ln>
+            <a:effectLst/>
+          </c:spPr>
+          <c:invertIfNegative val="0"/>
+          <c:dLbls>
+            <c:spPr>
+              <a:noFill/>
+              <a:ln>
+                <a:noFill/>
+              </a:ln>
+              <a:effectLst/>
+            </c:spPr>
+            <c:txPr>
+              <a:bodyPr rot="0" spcFirstLastPara="1" vertOverflow="ellipsis" vert="horz" wrap="square" lIns="38100" tIns="19050" rIns="38100" bIns="19050" anchor="ctr" anchorCtr="1">
+                <a:spAutoFit/>
+              </a:bodyPr>
+              <a:lstStyle/>
+              <a:p>
+                <a:pPr>
                   <a:defRPr sz="1600" b="0" i="0" u="none" strike="noStrike" kern="1200" baseline="0">
                     <a:solidFill>
                       <a:schemeClr val="tx1">
@@ -10357,7 +10849,7 @@
 </c:chartSpace>
 </file>
 
-<file path=ppt/charts/chart41.xml><?xml version="1.0" encoding="utf-8"?>
+<file path=ppt/charts/chart42.xml><?xml version="1.0" encoding="utf-8"?>
 <c:chartSpace xmlns:c="http://schemas.openxmlformats.org/drawingml/2006/chart" xmlns:a="http://schemas.openxmlformats.org/drawingml/2006/main" xmlns:r="http://schemas.openxmlformats.org/officeDocument/2006/relationships" xmlns:c16r2="http://schemas.microsoft.com/office/drawing/2015/06/chart">
   <c:date1904 val="0"/>
   <c:lang val="es-ES"/>
@@ -10654,7 +11146,7 @@
 </c:chartSpace>
 </file>
 
-<file path=ppt/charts/chart42.xml><?xml version="1.0" encoding="utf-8"?>
+<file path=ppt/charts/chart43.xml><?xml version="1.0" encoding="utf-8"?>
 <c:chartSpace xmlns:c="http://schemas.openxmlformats.org/drawingml/2006/chart" xmlns:a="http://schemas.openxmlformats.org/drawingml/2006/main" xmlns:r="http://schemas.openxmlformats.org/officeDocument/2006/relationships" xmlns:c16r2="http://schemas.microsoft.com/office/drawing/2015/06/chart">
   <c:date1904 val="0"/>
   <c:lang val="es-ES"/>
@@ -10967,7 +11459,7 @@
 </c:chartSpace>
 </file>
 
-<file path=ppt/charts/chart43.xml><?xml version="1.0" encoding="utf-8"?>
+<file path=ppt/charts/chart44.xml><?xml version="1.0" encoding="utf-8"?>
 <c:chartSpace xmlns:c="http://schemas.openxmlformats.org/drawingml/2006/chart" xmlns:a="http://schemas.openxmlformats.org/drawingml/2006/main" xmlns:r="http://schemas.openxmlformats.org/officeDocument/2006/relationships" xmlns:c16r2="http://schemas.microsoft.com/office/drawing/2015/06/chart">
   <c:date1904 val="0"/>
   <c:lang val="es-ES"/>
@@ -11228,7 +11720,7 @@
 </c:chartSpace>
 </file>
 
-<file path=ppt/charts/chart44.xml><?xml version="1.0" encoding="utf-8"?>
+<file path=ppt/charts/chart45.xml><?xml version="1.0" encoding="utf-8"?>
 <c:chartSpace xmlns:c="http://schemas.openxmlformats.org/drawingml/2006/chart" xmlns:a="http://schemas.openxmlformats.org/drawingml/2006/main" xmlns:r="http://schemas.openxmlformats.org/officeDocument/2006/relationships" xmlns:c16r2="http://schemas.microsoft.com/office/drawing/2015/06/chart">
   <c:date1904 val="0"/>
   <c:lang val="es-ES"/>
@@ -11454,7 +11946,7 @@
 </c:chartSpace>
 </file>
 
-<file path=ppt/charts/chart45.xml><?xml version="1.0" encoding="utf-8"?>
+<file path=ppt/charts/chart46.xml><?xml version="1.0" encoding="utf-8"?>
 <c:chartSpace xmlns:c="http://schemas.openxmlformats.org/drawingml/2006/chart" xmlns:a="http://schemas.openxmlformats.org/drawingml/2006/main" xmlns:r="http://schemas.openxmlformats.org/officeDocument/2006/relationships" xmlns:c16r2="http://schemas.microsoft.com/office/drawing/2015/06/chart">
   <c:date1904 val="0"/>
   <c:lang val="es-ES"/>
@@ -11835,7 +12327,7 @@
 </c:chartSpace>
 </file>
 
-<file path=ppt/charts/chart46.xml><?xml version="1.0" encoding="utf-8"?>
+<file path=ppt/charts/chart47.xml><?xml version="1.0" encoding="utf-8"?>
 <c:chartSpace xmlns:c="http://schemas.openxmlformats.org/drawingml/2006/chart" xmlns:a="http://schemas.openxmlformats.org/drawingml/2006/main" xmlns:r="http://schemas.openxmlformats.org/officeDocument/2006/relationships" xmlns:c16r2="http://schemas.microsoft.com/office/drawing/2015/06/chart">
   <c:date1904 val="0"/>
   <c:lang val="es-ES"/>
@@ -12092,7 +12584,7 @@
 </c:chartSpace>
 </file>
 
-<file path=ppt/charts/chart47.xml><?xml version="1.0" encoding="utf-8"?>
+<file path=ppt/charts/chart48.xml><?xml version="1.0" encoding="utf-8"?>
 <c:chartSpace xmlns:c="http://schemas.openxmlformats.org/drawingml/2006/chart" xmlns:a="http://schemas.openxmlformats.org/drawingml/2006/main" xmlns:r="http://schemas.openxmlformats.org/officeDocument/2006/relationships" xmlns:c16r2="http://schemas.microsoft.com/office/drawing/2015/06/chart">
   <c:date1904 val="0"/>
   <c:lang val="es-ES"/>
@@ -12317,7 +12809,7 @@
 </c:chartSpace>
 </file>
 
-<file path=ppt/charts/chart48.xml><?xml version="1.0" encoding="utf-8"?>
+<file path=ppt/charts/chart49.xml><?xml version="1.0" encoding="utf-8"?>
 <c:chartSpace xmlns:c="http://schemas.openxmlformats.org/drawingml/2006/chart" xmlns:a="http://schemas.openxmlformats.org/drawingml/2006/main" xmlns:r="http://schemas.openxmlformats.org/officeDocument/2006/relationships" xmlns:c16r2="http://schemas.microsoft.com/office/drawing/2015/06/chart">
   <c:date1904 val="0"/>
   <c:lang val="es-ES"/>
@@ -12496,259 +12988,6 @@
           <c:showCatName val="0"/>
           <c:showSerName val="0"/>
           <c:showPercent val="1"/>
-          <c:showBubbleSize val="0"/>
-          <c:showLeaderLines val="0"/>
-        </c:dLbls>
-        <c:firstSliceAng val="0"/>
-      </c:pieChart>
-      <c:spPr>
-        <a:noFill/>
-        <a:ln>
-          <a:noFill/>
-        </a:ln>
-        <a:effectLst/>
-      </c:spPr>
-    </c:plotArea>
-    <c:plotVisOnly val="1"/>
-    <c:dispBlanksAs val="gap"/>
-    <c:extLst>
-      <c:ext xmlns:c16r3="http://schemas.microsoft.com/office/drawing/2017/03/chart" uri="{56B9EC1D-385E-4148-901F-78D8002777C0}">
-        <c16r3:dataDisplayOptions16>
-          <c16r3:dispNaAsBlank val="1"/>
-        </c16r3:dataDisplayOptions16>
-      </c:ext>
-    </c:extLst>
-    <c:showDLblsOverMax val="0"/>
-  </c:chart>
-  <c:spPr>
-    <a:noFill/>
-    <a:ln>
-      <a:noFill/>
-    </a:ln>
-    <a:effectLst/>
-  </c:spPr>
-  <c:txPr>
-    <a:bodyPr/>
-    <a:lstStyle/>
-    <a:p>
-      <a:pPr>
-        <a:defRPr/>
-      </a:pPr>
-      <a:endParaRPr lang="es-CL"/>
-    </a:p>
-  </c:txPr>
-  <c:externalData r:id="rId3">
-    <c:autoUpdate val="0"/>
-  </c:externalData>
-</c:chartSpace>
-</file>
-
-<file path=ppt/charts/chart49.xml><?xml version="1.0" encoding="utf-8"?>
-<c:chartSpace xmlns:c="http://schemas.openxmlformats.org/drawingml/2006/chart" xmlns:a="http://schemas.openxmlformats.org/drawingml/2006/main" xmlns:r="http://schemas.openxmlformats.org/officeDocument/2006/relationships" xmlns:c16r2="http://schemas.microsoft.com/office/drawing/2015/06/chart">
-  <c:date1904 val="0"/>
-  <c:lang val="es-ES"/>
-  <c:roundedCorners val="0"/>
-  <mc:AlternateContent xmlns:mc="http://schemas.openxmlformats.org/markup-compatibility/2006">
-    <mc:Choice xmlns:c14="http://schemas.microsoft.com/office/drawing/2007/8/2/chart" Requires="c14">
-      <c14:style val="102"/>
-    </mc:Choice>
-    <mc:Fallback>
-      <c:style val="2"/>
-    </mc:Fallback>
-  </mc:AlternateContent>
-  <c:chart>
-    <c:autoTitleDeleted val="1"/>
-    <c:plotArea>
-      <c:layout/>
-      <c:pieChart>
-        <c:varyColors val="1"/>
-        <c:ser>
-          <c:idx val="0"/>
-          <c:order val="0"/>
-          <c:dPt>
-            <c:idx val="0"/>
-            <c:bubble3D val="0"/>
-            <c:spPr>
-              <a:solidFill>
-                <a:schemeClr val="accent1"/>
-              </a:solidFill>
-              <a:ln w="19050">
-                <a:solidFill>
-                  <a:schemeClr val="lt1"/>
-                </a:solidFill>
-              </a:ln>
-              <a:effectLst/>
-            </c:spPr>
-            <c:extLst>
-              <c:ext xmlns:c16="http://schemas.microsoft.com/office/drawing/2014/chart" uri="{C3380CC4-5D6E-409C-BE32-E72D297353CC}">
-                <c16:uniqueId val="{00000001-C7F5-4A1D-BAE5-5E6E0190CAB9}"/>
-              </c:ext>
-            </c:extLst>
-          </c:dPt>
-          <c:dPt>
-            <c:idx val="1"/>
-            <c:bubble3D val="0"/>
-            <c:spPr>
-              <a:solidFill>
-                <a:schemeClr val="accent2"/>
-              </a:solidFill>
-              <a:ln w="19050">
-                <a:solidFill>
-                  <a:schemeClr val="lt1"/>
-                </a:solidFill>
-              </a:ln>
-              <a:effectLst/>
-            </c:spPr>
-            <c:extLst>
-              <c:ext xmlns:c16="http://schemas.microsoft.com/office/drawing/2014/chart" uri="{C3380CC4-5D6E-409C-BE32-E72D297353CC}">
-                <c16:uniqueId val="{00000003-C7F5-4A1D-BAE5-5E6E0190CAB9}"/>
-              </c:ext>
-            </c:extLst>
-          </c:dPt>
-          <c:dLbls>
-            <c:dLbl>
-              <c:idx val="0"/>
-              <c:layout>
-                <c:manualLayout>
-                  <c:x val="5.7971014492753624E-2"/>
-                  <c:y val="-2.9186424957105148E-2"/>
-                </c:manualLayout>
-              </c:layout>
-              <c:dLblPos val="bestFit"/>
-              <c:showLegendKey val="0"/>
-              <c:showVal val="0"/>
-              <c:showCatName val="1"/>
-              <c:showSerName val="0"/>
-              <c:showPercent val="1"/>
-              <c:showBubbleSize val="0"/>
-              <c:extLst>
-                <c:ext xmlns:c15="http://schemas.microsoft.com/office/drawing/2012/chart" uri="{CE6537A1-D6FC-4f65-9D91-7224C49458BB}"/>
-                <c:ext xmlns:c16="http://schemas.microsoft.com/office/drawing/2014/chart" uri="{C3380CC4-5D6E-409C-BE32-E72D297353CC}">
-                  <c16:uniqueId val="{00000001-C7F5-4A1D-BAE5-5E6E0190CAB9}"/>
-                </c:ext>
-              </c:extLst>
-            </c:dLbl>
-            <c:dLbl>
-              <c:idx val="1"/>
-              <c:layout>
-                <c:manualLayout>
-                  <c:x val="-4.9516908212560384E-2"/>
-                  <c:y val="3.2105067452815661E-2"/>
-                </c:manualLayout>
-              </c:layout>
-              <c:dLblPos val="bestFit"/>
-              <c:showLegendKey val="0"/>
-              <c:showVal val="0"/>
-              <c:showCatName val="1"/>
-              <c:showSerName val="0"/>
-              <c:showPercent val="1"/>
-              <c:showBubbleSize val="0"/>
-              <c:extLst>
-                <c:ext xmlns:c15="http://schemas.microsoft.com/office/drawing/2012/chart" uri="{CE6537A1-D6FC-4f65-9D91-7224C49458BB}"/>
-                <c:ext xmlns:c16="http://schemas.microsoft.com/office/drawing/2014/chart" uri="{C3380CC4-5D6E-409C-BE32-E72D297353CC}">
-                  <c16:uniqueId val="{00000003-C7F5-4A1D-BAE5-5E6E0190CAB9}"/>
-                </c:ext>
-              </c:extLst>
-            </c:dLbl>
-            <c:spPr>
-              <a:solidFill>
-                <a:prstClr val="white"/>
-              </a:solidFill>
-              <a:ln>
-                <a:solidFill>
-                  <a:prstClr val="black">
-                    <a:lumMod val="25000"/>
-                    <a:lumOff val="75000"/>
-                  </a:prstClr>
-                </a:solidFill>
-              </a:ln>
-              <a:effectLst/>
-            </c:spPr>
-            <c:txPr>
-              <a:bodyPr rot="0" spcFirstLastPara="1" vertOverflow="clip" horzOverflow="clip" vert="horz" wrap="square" lIns="38100" tIns="19050" rIns="38100" bIns="19050" anchor="ctr" anchorCtr="1">
-                <a:spAutoFit/>
-              </a:bodyPr>
-              <a:lstStyle/>
-              <a:p>
-                <a:pPr>
-                  <a:defRPr sz="1400" b="0" i="0" u="none" strike="noStrike" kern="1200" baseline="0">
-                    <a:solidFill>
-                      <a:schemeClr val="dk1">
-                        <a:lumMod val="65000"/>
-                        <a:lumOff val="35000"/>
-                      </a:schemeClr>
-                    </a:solidFill>
-                    <a:latin typeface="+mn-lt"/>
-                    <a:ea typeface="+mn-ea"/>
-                    <a:cs typeface="+mn-cs"/>
-                  </a:defRPr>
-                </a:pPr>
-                <a:endParaRPr lang="es-CL"/>
-              </a:p>
-            </c:txPr>
-            <c:dLblPos val="outEnd"/>
-            <c:showLegendKey val="0"/>
-            <c:showVal val="0"/>
-            <c:showCatName val="1"/>
-            <c:showSerName val="0"/>
-            <c:showPercent val="1"/>
-            <c:showBubbleSize val="0"/>
-            <c:showLeaderLines val="0"/>
-            <c:extLst>
-              <c:ext xmlns:c15="http://schemas.microsoft.com/office/drawing/2012/chart" uri="{CE6537A1-D6FC-4f65-9D91-7224C49458BB}">
-                <c15:spPr xmlns:c15="http://schemas.microsoft.com/office/drawing/2012/chart">
-                  <a:prstGeom prst="wedgeRectCallout">
-                    <a:avLst/>
-                  </a:prstGeom>
-                  <a:noFill/>
-                  <a:ln>
-                    <a:noFill/>
-                  </a:ln>
-                </c15:spPr>
-              </c:ext>
-            </c:extLst>
-          </c:dLbls>
-          <c:cat>
-            <c:strRef>
-              <c:f>crisis_protocolo_sanitario!$A$2:$A$3</c:f>
-              <c:strCache>
-                <c:ptCount val="2"/>
-                <c:pt idx="0">
-                  <c:v>Sí</c:v>
-                </c:pt>
-                <c:pt idx="1">
-                  <c:v>No</c:v>
-                </c:pt>
-              </c:strCache>
-            </c:strRef>
-          </c:cat>
-          <c:val>
-            <c:numRef>
-              <c:f>crisis_protocolo_sanitario!$B$2:$B$3</c:f>
-              <c:numCache>
-                <c:formatCode>0.0</c:formatCode>
-                <c:ptCount val="2"/>
-                <c:pt idx="0">
-                  <c:v>86.15384615384616</c:v>
-                </c:pt>
-                <c:pt idx="1">
-                  <c:v>13.846153846153847</c:v>
-                </c:pt>
-              </c:numCache>
-            </c:numRef>
-          </c:val>
-          <c:extLst>
-            <c:ext xmlns:c16="http://schemas.microsoft.com/office/drawing/2014/chart" uri="{C3380CC4-5D6E-409C-BE32-E72D297353CC}">
-              <c16:uniqueId val="{00000004-C7F5-4A1D-BAE5-5E6E0190CAB9}"/>
-            </c:ext>
-          </c:extLst>
-        </c:ser>
-        <c:dLbls>
-          <c:showLegendKey val="0"/>
-          <c:showVal val="0"/>
-          <c:showCatName val="0"/>
-          <c:showSerName val="0"/>
-          <c:showPercent val="0"/>
           <c:showBubbleSize val="0"/>
           <c:showLeaderLines val="0"/>
         </c:dLbls>
@@ -13092,6 +13331,259 @@
               <a:solidFill>
                 <a:schemeClr val="accent1"/>
               </a:solidFill>
+              <a:ln w="19050">
+                <a:solidFill>
+                  <a:schemeClr val="lt1"/>
+                </a:solidFill>
+              </a:ln>
+              <a:effectLst/>
+            </c:spPr>
+            <c:extLst>
+              <c:ext xmlns:c16="http://schemas.microsoft.com/office/drawing/2014/chart" uri="{C3380CC4-5D6E-409C-BE32-E72D297353CC}">
+                <c16:uniqueId val="{00000001-C7F5-4A1D-BAE5-5E6E0190CAB9}"/>
+              </c:ext>
+            </c:extLst>
+          </c:dPt>
+          <c:dPt>
+            <c:idx val="1"/>
+            <c:bubble3D val="0"/>
+            <c:spPr>
+              <a:solidFill>
+                <a:schemeClr val="accent2"/>
+              </a:solidFill>
+              <a:ln w="19050">
+                <a:solidFill>
+                  <a:schemeClr val="lt1"/>
+                </a:solidFill>
+              </a:ln>
+              <a:effectLst/>
+            </c:spPr>
+            <c:extLst>
+              <c:ext xmlns:c16="http://schemas.microsoft.com/office/drawing/2014/chart" uri="{C3380CC4-5D6E-409C-BE32-E72D297353CC}">
+                <c16:uniqueId val="{00000003-C7F5-4A1D-BAE5-5E6E0190CAB9}"/>
+              </c:ext>
+            </c:extLst>
+          </c:dPt>
+          <c:dLbls>
+            <c:dLbl>
+              <c:idx val="0"/>
+              <c:layout>
+                <c:manualLayout>
+                  <c:x val="5.7971014492753624E-2"/>
+                  <c:y val="-2.9186424957105148E-2"/>
+                </c:manualLayout>
+              </c:layout>
+              <c:dLblPos val="bestFit"/>
+              <c:showLegendKey val="0"/>
+              <c:showVal val="0"/>
+              <c:showCatName val="1"/>
+              <c:showSerName val="0"/>
+              <c:showPercent val="1"/>
+              <c:showBubbleSize val="0"/>
+              <c:extLst>
+                <c:ext xmlns:c15="http://schemas.microsoft.com/office/drawing/2012/chart" uri="{CE6537A1-D6FC-4f65-9D91-7224C49458BB}"/>
+                <c:ext xmlns:c16="http://schemas.microsoft.com/office/drawing/2014/chart" uri="{C3380CC4-5D6E-409C-BE32-E72D297353CC}">
+                  <c16:uniqueId val="{00000001-C7F5-4A1D-BAE5-5E6E0190CAB9}"/>
+                </c:ext>
+              </c:extLst>
+            </c:dLbl>
+            <c:dLbl>
+              <c:idx val="1"/>
+              <c:layout>
+                <c:manualLayout>
+                  <c:x val="-4.9516908212560384E-2"/>
+                  <c:y val="3.2105067452815661E-2"/>
+                </c:manualLayout>
+              </c:layout>
+              <c:dLblPos val="bestFit"/>
+              <c:showLegendKey val="0"/>
+              <c:showVal val="0"/>
+              <c:showCatName val="1"/>
+              <c:showSerName val="0"/>
+              <c:showPercent val="1"/>
+              <c:showBubbleSize val="0"/>
+              <c:extLst>
+                <c:ext xmlns:c15="http://schemas.microsoft.com/office/drawing/2012/chart" uri="{CE6537A1-D6FC-4f65-9D91-7224C49458BB}"/>
+                <c:ext xmlns:c16="http://schemas.microsoft.com/office/drawing/2014/chart" uri="{C3380CC4-5D6E-409C-BE32-E72D297353CC}">
+                  <c16:uniqueId val="{00000003-C7F5-4A1D-BAE5-5E6E0190CAB9}"/>
+                </c:ext>
+              </c:extLst>
+            </c:dLbl>
+            <c:spPr>
+              <a:solidFill>
+                <a:prstClr val="white"/>
+              </a:solidFill>
+              <a:ln>
+                <a:solidFill>
+                  <a:prstClr val="black">
+                    <a:lumMod val="25000"/>
+                    <a:lumOff val="75000"/>
+                  </a:prstClr>
+                </a:solidFill>
+              </a:ln>
+              <a:effectLst/>
+            </c:spPr>
+            <c:txPr>
+              <a:bodyPr rot="0" spcFirstLastPara="1" vertOverflow="clip" horzOverflow="clip" vert="horz" wrap="square" lIns="38100" tIns="19050" rIns="38100" bIns="19050" anchor="ctr" anchorCtr="1">
+                <a:spAutoFit/>
+              </a:bodyPr>
+              <a:lstStyle/>
+              <a:p>
+                <a:pPr>
+                  <a:defRPr sz="1400" b="0" i="0" u="none" strike="noStrike" kern="1200" baseline="0">
+                    <a:solidFill>
+                      <a:schemeClr val="dk1">
+                        <a:lumMod val="65000"/>
+                        <a:lumOff val="35000"/>
+                      </a:schemeClr>
+                    </a:solidFill>
+                    <a:latin typeface="+mn-lt"/>
+                    <a:ea typeface="+mn-ea"/>
+                    <a:cs typeface="+mn-cs"/>
+                  </a:defRPr>
+                </a:pPr>
+                <a:endParaRPr lang="es-CL"/>
+              </a:p>
+            </c:txPr>
+            <c:dLblPos val="outEnd"/>
+            <c:showLegendKey val="0"/>
+            <c:showVal val="0"/>
+            <c:showCatName val="1"/>
+            <c:showSerName val="0"/>
+            <c:showPercent val="1"/>
+            <c:showBubbleSize val="0"/>
+            <c:showLeaderLines val="0"/>
+            <c:extLst>
+              <c:ext xmlns:c15="http://schemas.microsoft.com/office/drawing/2012/chart" uri="{CE6537A1-D6FC-4f65-9D91-7224C49458BB}">
+                <c15:spPr xmlns:c15="http://schemas.microsoft.com/office/drawing/2012/chart">
+                  <a:prstGeom prst="wedgeRectCallout">
+                    <a:avLst/>
+                  </a:prstGeom>
+                  <a:noFill/>
+                  <a:ln>
+                    <a:noFill/>
+                  </a:ln>
+                </c15:spPr>
+              </c:ext>
+            </c:extLst>
+          </c:dLbls>
+          <c:cat>
+            <c:strRef>
+              <c:f>crisis_protocolo_sanitario!$A$2:$A$3</c:f>
+              <c:strCache>
+                <c:ptCount val="2"/>
+                <c:pt idx="0">
+                  <c:v>Sí</c:v>
+                </c:pt>
+                <c:pt idx="1">
+                  <c:v>No</c:v>
+                </c:pt>
+              </c:strCache>
+            </c:strRef>
+          </c:cat>
+          <c:val>
+            <c:numRef>
+              <c:f>crisis_protocolo_sanitario!$B$2:$B$3</c:f>
+              <c:numCache>
+                <c:formatCode>0.0</c:formatCode>
+                <c:ptCount val="2"/>
+                <c:pt idx="0">
+                  <c:v>86.15384615384616</c:v>
+                </c:pt>
+                <c:pt idx="1">
+                  <c:v>13.846153846153847</c:v>
+                </c:pt>
+              </c:numCache>
+            </c:numRef>
+          </c:val>
+          <c:extLst>
+            <c:ext xmlns:c16="http://schemas.microsoft.com/office/drawing/2014/chart" uri="{C3380CC4-5D6E-409C-BE32-E72D297353CC}">
+              <c16:uniqueId val="{00000004-C7F5-4A1D-BAE5-5E6E0190CAB9}"/>
+            </c:ext>
+          </c:extLst>
+        </c:ser>
+        <c:dLbls>
+          <c:showLegendKey val="0"/>
+          <c:showVal val="0"/>
+          <c:showCatName val="0"/>
+          <c:showSerName val="0"/>
+          <c:showPercent val="0"/>
+          <c:showBubbleSize val="0"/>
+          <c:showLeaderLines val="0"/>
+        </c:dLbls>
+        <c:firstSliceAng val="0"/>
+      </c:pieChart>
+      <c:spPr>
+        <a:noFill/>
+        <a:ln>
+          <a:noFill/>
+        </a:ln>
+        <a:effectLst/>
+      </c:spPr>
+    </c:plotArea>
+    <c:plotVisOnly val="1"/>
+    <c:dispBlanksAs val="gap"/>
+    <c:extLst>
+      <c:ext xmlns:c16r3="http://schemas.microsoft.com/office/drawing/2017/03/chart" uri="{56B9EC1D-385E-4148-901F-78D8002777C0}">
+        <c16r3:dataDisplayOptions16>
+          <c16r3:dispNaAsBlank val="1"/>
+        </c16r3:dataDisplayOptions16>
+      </c:ext>
+    </c:extLst>
+    <c:showDLblsOverMax val="0"/>
+  </c:chart>
+  <c:spPr>
+    <a:noFill/>
+    <a:ln>
+      <a:noFill/>
+    </a:ln>
+    <a:effectLst/>
+  </c:spPr>
+  <c:txPr>
+    <a:bodyPr/>
+    <a:lstStyle/>
+    <a:p>
+      <a:pPr>
+        <a:defRPr/>
+      </a:pPr>
+      <a:endParaRPr lang="es-CL"/>
+    </a:p>
+  </c:txPr>
+  <c:externalData r:id="rId3">
+    <c:autoUpdate val="0"/>
+  </c:externalData>
+</c:chartSpace>
+</file>
+
+<file path=ppt/charts/chart51.xml><?xml version="1.0" encoding="utf-8"?>
+<c:chartSpace xmlns:c="http://schemas.openxmlformats.org/drawingml/2006/chart" xmlns:a="http://schemas.openxmlformats.org/drawingml/2006/main" xmlns:r="http://schemas.openxmlformats.org/officeDocument/2006/relationships" xmlns:c16r2="http://schemas.microsoft.com/office/drawing/2015/06/chart">
+  <c:date1904 val="0"/>
+  <c:lang val="es-ES"/>
+  <c:roundedCorners val="0"/>
+  <mc:AlternateContent xmlns:mc="http://schemas.openxmlformats.org/markup-compatibility/2006">
+    <mc:Choice xmlns:c14="http://schemas.microsoft.com/office/drawing/2007/8/2/chart" Requires="c14">
+      <c14:style val="102"/>
+    </mc:Choice>
+    <mc:Fallback>
+      <c:style val="2"/>
+    </mc:Fallback>
+  </mc:AlternateContent>
+  <c:chart>
+    <c:autoTitleDeleted val="1"/>
+    <c:plotArea>
+      <c:layout/>
+      <c:pieChart>
+        <c:varyColors val="1"/>
+        <c:ser>
+          <c:idx val="0"/>
+          <c:order val="0"/>
+          <c:dPt>
+            <c:idx val="0"/>
+            <c:bubble3D val="0"/>
+            <c:spPr>
+              <a:solidFill>
+                <a:schemeClr val="accent1"/>
+              </a:solidFill>
               <a:ln>
                 <a:noFill/>
               </a:ln>
@@ -13289,7 +13781,7 @@
 </c:chartSpace>
 </file>
 
-<file path=ppt/charts/chart51.xml><?xml version="1.0" encoding="utf-8"?>
+<file path=ppt/charts/chart52.xml><?xml version="1.0" encoding="utf-8"?>
 <c:chartSpace xmlns:c="http://schemas.openxmlformats.org/drawingml/2006/chart" xmlns:a="http://schemas.openxmlformats.org/drawingml/2006/main" xmlns:r="http://schemas.openxmlformats.org/officeDocument/2006/relationships" xmlns:c16r2="http://schemas.microsoft.com/office/drawing/2015/06/chart">
   <c:date1904 val="0"/>
   <c:lang val="es-ES"/>
@@ -13559,7 +14051,7 @@
 </c:chartSpace>
 </file>
 
-<file path=ppt/charts/chart52.xml><?xml version="1.0" encoding="utf-8"?>
+<file path=ppt/charts/chart53.xml><?xml version="1.0" encoding="utf-8"?>
 <c:chartSpace xmlns:c="http://schemas.openxmlformats.org/drawingml/2006/chart" xmlns:a="http://schemas.openxmlformats.org/drawingml/2006/main" xmlns:r="http://schemas.openxmlformats.org/officeDocument/2006/relationships" xmlns:c16r2="http://schemas.microsoft.com/office/drawing/2015/06/chart">
   <c:date1904 val="0"/>
   <c:lang val="es-ES"/>
@@ -13662,7 +14154,7 @@
 </c:chartSpace>
 </file>
 
-<file path=ppt/charts/chart53.xml><?xml version="1.0" encoding="utf-8"?>
+<file path=ppt/charts/chart54.xml><?xml version="1.0" encoding="utf-8"?>
 <c:chartSpace xmlns:c="http://schemas.openxmlformats.org/drawingml/2006/chart" xmlns:a="http://schemas.openxmlformats.org/drawingml/2006/main" xmlns:r="http://schemas.openxmlformats.org/officeDocument/2006/relationships" xmlns:c16r2="http://schemas.microsoft.com/office/drawing/2015/06/chart">
   <c:date1904 val="0"/>
   <c:lang val="es-ES"/>
@@ -18427,6 +18919,46 @@
 </cs:colorStyle>
 </file>
 
+<file path=ppt/charts/colors64.xml><?xml version="1.0" encoding="utf-8"?>
+<cs:colorStyle xmlns:cs="http://schemas.microsoft.com/office/drawing/2012/chartStyle" xmlns:a="http://schemas.openxmlformats.org/drawingml/2006/main" meth="cycle" id="10">
+  <a:schemeClr val="accent1"/>
+  <a:schemeClr val="accent2"/>
+  <a:schemeClr val="accent3"/>
+  <a:schemeClr val="accent4"/>
+  <a:schemeClr val="accent5"/>
+  <a:schemeClr val="accent6"/>
+  <cs:variation/>
+  <cs:variation>
+    <a:lumMod val="60000"/>
+  </cs:variation>
+  <cs:variation>
+    <a:lumMod val="80000"/>
+    <a:lumOff val="20000"/>
+  </cs:variation>
+  <cs:variation>
+    <a:lumMod val="80000"/>
+  </cs:variation>
+  <cs:variation>
+    <a:lumMod val="60000"/>
+    <a:lumOff val="40000"/>
+  </cs:variation>
+  <cs:variation>
+    <a:lumMod val="50000"/>
+  </cs:variation>
+  <cs:variation>
+    <a:lumMod val="70000"/>
+    <a:lumOff val="30000"/>
+  </cs:variation>
+  <cs:variation>
+    <a:lumMod val="70000"/>
+  </cs:variation>
+  <cs:variation>
+    <a:lumMod val="50000"/>
+    <a:lumOff val="50000"/>
+  </cs:variation>
+</cs:colorStyle>
+</file>
+
 <file path=ppt/charts/colors7.xml><?xml version="1.0" encoding="utf-8"?>
 <cs:colorStyle xmlns:cs="http://schemas.microsoft.com/office/drawing/2012/chartStyle" xmlns:a="http://schemas.openxmlformats.org/drawingml/2006/main" meth="cycle" id="10">
   <a:schemeClr val="accent1"/>
@@ -37434,7 +37966,7 @@
 </file>
 
 <file path=ppt/charts/style43.xml><?xml version="1.0" encoding="utf-8"?>
-<cs:chartStyle xmlns:cs="http://schemas.microsoft.com/office/drawing/2012/chartStyle" xmlns:a="http://schemas.openxmlformats.org/drawingml/2006/main" id="251">
+<cs:chartStyle xmlns:cs="http://schemas.microsoft.com/office/drawing/2012/chartStyle" xmlns:a="http://schemas.openxmlformats.org/drawingml/2006/main" id="216">
   <cs:axisTitle>
     <cs:lnRef idx="0"/>
     <cs:fillRef idx="0"/>
@@ -37491,7 +38023,7 @@
         <a:round/>
       </a:ln>
     </cs:spPr>
-    <cs:defRPr sz="900" kern="1200"/>
+    <cs:defRPr sz="1000" kern="1200"/>
   </cs:chartArea>
   <cs:dataLabel>
     <cs:lnRef idx="0"/>
@@ -37542,13 +38074,6 @@
     <cs:fontRef idx="minor">
       <a:schemeClr val="tx1"/>
     </cs:fontRef>
-    <cs:spPr>
-      <a:ln w="19050">
-        <a:solidFill>
-          <a:schemeClr val="lt1"/>
-        </a:solidFill>
-      </a:ln>
-    </cs:spPr>
   </cs:dataPoint>
   <cs:dataPoint3D>
     <cs:lnRef idx="0"/>
@@ -37559,19 +38084,12 @@
     <cs:fontRef idx="minor">
       <a:schemeClr val="tx1"/>
     </cs:fontRef>
-    <cs:spPr>
-      <a:ln w="25400">
-        <a:solidFill>
-          <a:schemeClr val="lt1"/>
-        </a:solidFill>
-      </a:ln>
-    </cs:spPr>
   </cs:dataPoint3D>
   <cs:dataPointLine>
     <cs:lnRef idx="0">
       <cs:styleClr val="auto"/>
     </cs:lnRef>
-    <cs:fillRef idx="0"/>
+    <cs:fillRef idx="1"/>
     <cs:effectRef idx="0"/>
     <cs:fontRef idx="minor">
       <a:schemeClr val="tx1"/>
@@ -37609,7 +38127,7 @@
     <cs:lnRef idx="0">
       <cs:styleClr val="auto"/>
     </cs:lnRef>
-    <cs:fillRef idx="0"/>
+    <cs:fillRef idx="1"/>
     <cs:effectRef idx="0"/>
     <cs:fontRef idx="minor">
       <a:schemeClr val="tx1"/>
@@ -37953,6 +38471,525 @@
 </file>
 
 <file path=ppt/charts/style44.xml><?xml version="1.0" encoding="utf-8"?>
+<cs:chartStyle xmlns:cs="http://schemas.microsoft.com/office/drawing/2012/chartStyle" xmlns:a="http://schemas.openxmlformats.org/drawingml/2006/main" id="251">
+  <cs:axisTitle>
+    <cs:lnRef idx="0"/>
+    <cs:fillRef idx="0"/>
+    <cs:effectRef idx="0"/>
+    <cs:fontRef idx="minor">
+      <a:schemeClr val="tx1">
+        <a:lumMod val="65000"/>
+        <a:lumOff val="35000"/>
+      </a:schemeClr>
+    </cs:fontRef>
+    <cs:defRPr sz="1000" kern="1200"/>
+  </cs:axisTitle>
+  <cs:categoryAxis>
+    <cs:lnRef idx="0"/>
+    <cs:fillRef idx="0"/>
+    <cs:effectRef idx="0"/>
+    <cs:fontRef idx="minor">
+      <a:schemeClr val="tx1">
+        <a:lumMod val="65000"/>
+        <a:lumOff val="35000"/>
+      </a:schemeClr>
+    </cs:fontRef>
+    <cs:spPr>
+      <a:ln w="9525" cap="flat" cmpd="sng" algn="ctr">
+        <a:solidFill>
+          <a:schemeClr val="tx1">
+            <a:lumMod val="15000"/>
+            <a:lumOff val="85000"/>
+          </a:schemeClr>
+        </a:solidFill>
+        <a:round/>
+      </a:ln>
+    </cs:spPr>
+    <cs:defRPr sz="900" kern="1200"/>
+  </cs:categoryAxis>
+  <cs:chartArea mods="allowNoFillOverride allowNoLineOverride">
+    <cs:lnRef idx="0"/>
+    <cs:fillRef idx="0"/>
+    <cs:effectRef idx="0"/>
+    <cs:fontRef idx="minor">
+      <a:schemeClr val="tx1"/>
+    </cs:fontRef>
+    <cs:spPr>
+      <a:solidFill>
+        <a:schemeClr val="bg1"/>
+      </a:solidFill>
+      <a:ln w="9525" cap="flat" cmpd="sng" algn="ctr">
+        <a:solidFill>
+          <a:schemeClr val="tx1">
+            <a:lumMod val="15000"/>
+            <a:lumOff val="85000"/>
+          </a:schemeClr>
+        </a:solidFill>
+        <a:round/>
+      </a:ln>
+    </cs:spPr>
+    <cs:defRPr sz="900" kern="1200"/>
+  </cs:chartArea>
+  <cs:dataLabel>
+    <cs:lnRef idx="0"/>
+    <cs:fillRef idx="0"/>
+    <cs:effectRef idx="0"/>
+    <cs:fontRef idx="minor">
+      <a:schemeClr val="tx1">
+        <a:lumMod val="75000"/>
+        <a:lumOff val="25000"/>
+      </a:schemeClr>
+    </cs:fontRef>
+    <cs:defRPr sz="900" kern="1200"/>
+  </cs:dataLabel>
+  <cs:dataLabelCallout>
+    <cs:lnRef idx="0"/>
+    <cs:fillRef idx="0"/>
+    <cs:effectRef idx="0"/>
+    <cs:fontRef idx="minor">
+      <a:schemeClr val="dk1">
+        <a:lumMod val="65000"/>
+        <a:lumOff val="35000"/>
+      </a:schemeClr>
+    </cs:fontRef>
+    <cs:spPr>
+      <a:solidFill>
+        <a:schemeClr val="lt1"/>
+      </a:solidFill>
+      <a:ln>
+        <a:solidFill>
+          <a:schemeClr val="dk1">
+            <a:lumMod val="25000"/>
+            <a:lumOff val="75000"/>
+          </a:schemeClr>
+        </a:solidFill>
+      </a:ln>
+    </cs:spPr>
+    <cs:defRPr sz="900" kern="1200"/>
+    <cs:bodyPr rot="0" spcFirstLastPara="1" vertOverflow="clip" horzOverflow="clip" vert="horz" wrap="square" lIns="36576" tIns="18288" rIns="36576" bIns="18288" anchor="ctr" anchorCtr="1">
+      <a:spAutoFit/>
+    </cs:bodyPr>
+  </cs:dataLabelCallout>
+  <cs:dataPoint>
+    <cs:lnRef idx="0"/>
+    <cs:fillRef idx="1">
+      <cs:styleClr val="auto"/>
+    </cs:fillRef>
+    <cs:effectRef idx="0"/>
+    <cs:fontRef idx="minor">
+      <a:schemeClr val="tx1"/>
+    </cs:fontRef>
+    <cs:spPr>
+      <a:ln w="19050">
+        <a:solidFill>
+          <a:schemeClr val="lt1"/>
+        </a:solidFill>
+      </a:ln>
+    </cs:spPr>
+  </cs:dataPoint>
+  <cs:dataPoint3D>
+    <cs:lnRef idx="0"/>
+    <cs:fillRef idx="1">
+      <cs:styleClr val="auto"/>
+    </cs:fillRef>
+    <cs:effectRef idx="0"/>
+    <cs:fontRef idx="minor">
+      <a:schemeClr val="tx1"/>
+    </cs:fontRef>
+    <cs:spPr>
+      <a:ln w="25400">
+        <a:solidFill>
+          <a:schemeClr val="lt1"/>
+        </a:solidFill>
+      </a:ln>
+    </cs:spPr>
+  </cs:dataPoint3D>
+  <cs:dataPointLine>
+    <cs:lnRef idx="0">
+      <cs:styleClr val="auto"/>
+    </cs:lnRef>
+    <cs:fillRef idx="0"/>
+    <cs:effectRef idx="0"/>
+    <cs:fontRef idx="minor">
+      <a:schemeClr val="tx1"/>
+    </cs:fontRef>
+    <cs:spPr>
+      <a:ln w="28575" cap="rnd">
+        <a:solidFill>
+          <a:schemeClr val="phClr"/>
+        </a:solidFill>
+        <a:round/>
+      </a:ln>
+    </cs:spPr>
+  </cs:dataPointLine>
+  <cs:dataPointMarker>
+    <cs:lnRef idx="0">
+      <cs:styleClr val="auto"/>
+    </cs:lnRef>
+    <cs:fillRef idx="1">
+      <cs:styleClr val="auto"/>
+    </cs:fillRef>
+    <cs:effectRef idx="0"/>
+    <cs:fontRef idx="minor">
+      <a:schemeClr val="tx1"/>
+    </cs:fontRef>
+    <cs:spPr>
+      <a:ln w="9525">
+        <a:solidFill>
+          <a:schemeClr val="phClr"/>
+        </a:solidFill>
+      </a:ln>
+    </cs:spPr>
+  </cs:dataPointMarker>
+  <cs:dataPointMarkerLayout symbol="circle" size="5"/>
+  <cs:dataPointWireframe>
+    <cs:lnRef idx="0">
+      <cs:styleClr val="auto"/>
+    </cs:lnRef>
+    <cs:fillRef idx="0"/>
+    <cs:effectRef idx="0"/>
+    <cs:fontRef idx="minor">
+      <a:schemeClr val="tx1"/>
+    </cs:fontRef>
+    <cs:spPr>
+      <a:ln w="9525" cap="rnd">
+        <a:solidFill>
+          <a:schemeClr val="phClr"/>
+        </a:solidFill>
+        <a:round/>
+      </a:ln>
+    </cs:spPr>
+  </cs:dataPointWireframe>
+  <cs:dataTable>
+    <cs:lnRef idx="0"/>
+    <cs:fillRef idx="0"/>
+    <cs:effectRef idx="0"/>
+    <cs:fontRef idx="minor">
+      <a:schemeClr val="tx1">
+        <a:lumMod val="65000"/>
+        <a:lumOff val="35000"/>
+      </a:schemeClr>
+    </cs:fontRef>
+    <cs:spPr>
+      <a:noFill/>
+      <a:ln w="9525" cap="flat" cmpd="sng" algn="ctr">
+        <a:solidFill>
+          <a:schemeClr val="tx1">
+            <a:lumMod val="15000"/>
+            <a:lumOff val="85000"/>
+          </a:schemeClr>
+        </a:solidFill>
+        <a:round/>
+      </a:ln>
+    </cs:spPr>
+    <cs:defRPr sz="900" kern="1200"/>
+  </cs:dataTable>
+  <cs:downBar>
+    <cs:lnRef idx="0"/>
+    <cs:fillRef idx="0"/>
+    <cs:effectRef idx="0"/>
+    <cs:fontRef idx="minor">
+      <a:schemeClr val="tx1"/>
+    </cs:fontRef>
+    <cs:spPr>
+      <a:solidFill>
+        <a:schemeClr val="dk1">
+          <a:lumMod val="75000"/>
+          <a:lumOff val="25000"/>
+        </a:schemeClr>
+      </a:solidFill>
+      <a:ln w="9525" cap="flat" cmpd="sng" algn="ctr">
+        <a:solidFill>
+          <a:schemeClr val="tx1">
+            <a:lumMod val="65000"/>
+            <a:lumOff val="35000"/>
+          </a:schemeClr>
+        </a:solidFill>
+        <a:round/>
+      </a:ln>
+    </cs:spPr>
+  </cs:downBar>
+  <cs:dropLine>
+    <cs:lnRef idx="0"/>
+    <cs:fillRef idx="0"/>
+    <cs:effectRef idx="0"/>
+    <cs:fontRef idx="minor">
+      <a:schemeClr val="tx1"/>
+    </cs:fontRef>
+    <cs:spPr>
+      <a:ln w="9525" cap="flat" cmpd="sng" algn="ctr">
+        <a:solidFill>
+          <a:schemeClr val="tx1">
+            <a:lumMod val="35000"/>
+            <a:lumOff val="65000"/>
+          </a:schemeClr>
+        </a:solidFill>
+        <a:round/>
+      </a:ln>
+    </cs:spPr>
+  </cs:dropLine>
+  <cs:errorBar>
+    <cs:lnRef idx="0"/>
+    <cs:fillRef idx="0"/>
+    <cs:effectRef idx="0"/>
+    <cs:fontRef idx="minor">
+      <a:schemeClr val="tx1"/>
+    </cs:fontRef>
+    <cs:spPr>
+      <a:ln w="9525" cap="flat" cmpd="sng" algn="ctr">
+        <a:solidFill>
+          <a:schemeClr val="tx1">
+            <a:lumMod val="65000"/>
+            <a:lumOff val="35000"/>
+          </a:schemeClr>
+        </a:solidFill>
+        <a:round/>
+      </a:ln>
+    </cs:spPr>
+  </cs:errorBar>
+  <cs:floor>
+    <cs:lnRef idx="0"/>
+    <cs:fillRef idx="0"/>
+    <cs:effectRef idx="0"/>
+    <cs:fontRef idx="minor">
+      <a:schemeClr val="tx1"/>
+    </cs:fontRef>
+    <cs:spPr>
+      <a:noFill/>
+      <a:ln>
+        <a:noFill/>
+      </a:ln>
+    </cs:spPr>
+  </cs:floor>
+  <cs:gridlineMajor>
+    <cs:lnRef idx="0"/>
+    <cs:fillRef idx="0"/>
+    <cs:effectRef idx="0"/>
+    <cs:fontRef idx="minor">
+      <a:schemeClr val="tx1"/>
+    </cs:fontRef>
+    <cs:spPr>
+      <a:ln w="9525" cap="flat" cmpd="sng" algn="ctr">
+        <a:solidFill>
+          <a:schemeClr val="tx1">
+            <a:lumMod val="15000"/>
+            <a:lumOff val="85000"/>
+          </a:schemeClr>
+        </a:solidFill>
+        <a:round/>
+      </a:ln>
+    </cs:spPr>
+  </cs:gridlineMajor>
+  <cs:gridlineMinor>
+    <cs:lnRef idx="0"/>
+    <cs:fillRef idx="0"/>
+    <cs:effectRef idx="0"/>
+    <cs:fontRef idx="minor">
+      <a:schemeClr val="tx1"/>
+    </cs:fontRef>
+    <cs:spPr>
+      <a:ln w="9525" cap="flat" cmpd="sng" algn="ctr">
+        <a:solidFill>
+          <a:schemeClr val="tx1">
+            <a:lumMod val="5000"/>
+            <a:lumOff val="95000"/>
+          </a:schemeClr>
+        </a:solidFill>
+        <a:round/>
+      </a:ln>
+    </cs:spPr>
+  </cs:gridlineMinor>
+  <cs:hiLoLine>
+    <cs:lnRef idx="0"/>
+    <cs:fillRef idx="0"/>
+    <cs:effectRef idx="0"/>
+    <cs:fontRef idx="minor">
+      <a:schemeClr val="tx1"/>
+    </cs:fontRef>
+    <cs:spPr>
+      <a:ln w="9525" cap="flat" cmpd="sng" algn="ctr">
+        <a:solidFill>
+          <a:schemeClr val="tx1">
+            <a:lumMod val="50000"/>
+            <a:lumOff val="50000"/>
+          </a:schemeClr>
+        </a:solidFill>
+        <a:round/>
+      </a:ln>
+    </cs:spPr>
+  </cs:hiLoLine>
+  <cs:leaderLine>
+    <cs:lnRef idx="0"/>
+    <cs:fillRef idx="0"/>
+    <cs:effectRef idx="0"/>
+    <cs:fontRef idx="minor">
+      <a:schemeClr val="tx1"/>
+    </cs:fontRef>
+    <cs:spPr>
+      <a:ln w="9525" cap="flat" cmpd="sng" algn="ctr">
+        <a:solidFill>
+          <a:schemeClr val="tx1">
+            <a:lumMod val="35000"/>
+            <a:lumOff val="65000"/>
+          </a:schemeClr>
+        </a:solidFill>
+        <a:round/>
+      </a:ln>
+    </cs:spPr>
+  </cs:leaderLine>
+  <cs:legend>
+    <cs:lnRef idx="0"/>
+    <cs:fillRef idx="0"/>
+    <cs:effectRef idx="0"/>
+    <cs:fontRef idx="minor">
+      <a:schemeClr val="tx1">
+        <a:lumMod val="65000"/>
+        <a:lumOff val="35000"/>
+      </a:schemeClr>
+    </cs:fontRef>
+    <cs:defRPr sz="900" kern="1200"/>
+  </cs:legend>
+  <cs:plotArea mods="allowNoFillOverride allowNoLineOverride">
+    <cs:lnRef idx="0"/>
+    <cs:fillRef idx="0"/>
+    <cs:effectRef idx="0"/>
+    <cs:fontRef idx="minor">
+      <a:schemeClr val="tx1"/>
+    </cs:fontRef>
+  </cs:plotArea>
+  <cs:plotArea3D mods="allowNoFillOverride allowNoLineOverride">
+    <cs:lnRef idx="0"/>
+    <cs:fillRef idx="0"/>
+    <cs:effectRef idx="0"/>
+    <cs:fontRef idx="minor">
+      <a:schemeClr val="tx1"/>
+    </cs:fontRef>
+  </cs:plotArea3D>
+  <cs:seriesAxis>
+    <cs:lnRef idx="0"/>
+    <cs:fillRef idx="0"/>
+    <cs:effectRef idx="0"/>
+    <cs:fontRef idx="minor">
+      <a:schemeClr val="tx1">
+        <a:lumMod val="65000"/>
+        <a:lumOff val="35000"/>
+      </a:schemeClr>
+    </cs:fontRef>
+    <cs:defRPr sz="900" kern="1200"/>
+  </cs:seriesAxis>
+  <cs:seriesLine>
+    <cs:lnRef idx="0"/>
+    <cs:fillRef idx="0"/>
+    <cs:effectRef idx="0"/>
+    <cs:fontRef idx="minor">
+      <a:schemeClr val="tx1"/>
+    </cs:fontRef>
+    <cs:spPr>
+      <a:ln w="9525" cap="flat" cmpd="sng" algn="ctr">
+        <a:solidFill>
+          <a:schemeClr val="tx1">
+            <a:lumMod val="35000"/>
+            <a:lumOff val="65000"/>
+          </a:schemeClr>
+        </a:solidFill>
+        <a:round/>
+      </a:ln>
+    </cs:spPr>
+  </cs:seriesLine>
+  <cs:title>
+    <cs:lnRef idx="0"/>
+    <cs:fillRef idx="0"/>
+    <cs:effectRef idx="0"/>
+    <cs:fontRef idx="minor">
+      <a:schemeClr val="tx1">
+        <a:lumMod val="65000"/>
+        <a:lumOff val="35000"/>
+      </a:schemeClr>
+    </cs:fontRef>
+    <cs:defRPr sz="1400" b="0" kern="1200" spc="0" baseline="0"/>
+  </cs:title>
+  <cs:trendline>
+    <cs:lnRef idx="0">
+      <cs:styleClr val="auto"/>
+    </cs:lnRef>
+    <cs:fillRef idx="0"/>
+    <cs:effectRef idx="0"/>
+    <cs:fontRef idx="minor">
+      <a:schemeClr val="tx1"/>
+    </cs:fontRef>
+    <cs:spPr>
+      <a:ln w="19050" cap="rnd">
+        <a:solidFill>
+          <a:schemeClr val="phClr"/>
+        </a:solidFill>
+        <a:prstDash val="sysDot"/>
+      </a:ln>
+    </cs:spPr>
+  </cs:trendline>
+  <cs:trendlineLabel>
+    <cs:lnRef idx="0"/>
+    <cs:fillRef idx="0"/>
+    <cs:effectRef idx="0"/>
+    <cs:fontRef idx="minor">
+      <a:schemeClr val="tx1">
+        <a:lumMod val="65000"/>
+        <a:lumOff val="35000"/>
+      </a:schemeClr>
+    </cs:fontRef>
+    <cs:defRPr sz="900" kern="1200"/>
+  </cs:trendlineLabel>
+  <cs:upBar>
+    <cs:lnRef idx="0"/>
+    <cs:fillRef idx="0"/>
+    <cs:effectRef idx="0"/>
+    <cs:fontRef idx="minor">
+      <a:schemeClr val="tx1"/>
+    </cs:fontRef>
+    <cs:spPr>
+      <a:solidFill>
+        <a:schemeClr val="lt1"/>
+      </a:solidFill>
+      <a:ln w="9525" cap="flat" cmpd="sng" algn="ctr">
+        <a:solidFill>
+          <a:schemeClr val="tx1">
+            <a:lumMod val="65000"/>
+            <a:lumOff val="35000"/>
+          </a:schemeClr>
+        </a:solidFill>
+        <a:round/>
+      </a:ln>
+    </cs:spPr>
+  </cs:upBar>
+  <cs:valueAxis>
+    <cs:lnRef idx="0"/>
+    <cs:fillRef idx="0"/>
+    <cs:effectRef idx="0"/>
+    <cs:fontRef idx="minor">
+      <a:schemeClr val="tx1">
+        <a:lumMod val="65000"/>
+        <a:lumOff val="35000"/>
+      </a:schemeClr>
+    </cs:fontRef>
+    <cs:defRPr sz="900" kern="1200"/>
+  </cs:valueAxis>
+  <cs:wall>
+    <cs:lnRef idx="0"/>
+    <cs:fillRef idx="0"/>
+    <cs:effectRef idx="0"/>
+    <cs:fontRef idx="minor">
+      <a:schemeClr val="tx1"/>
+    </cs:fontRef>
+    <cs:spPr>
+      <a:noFill/>
+      <a:ln>
+        <a:noFill/>
+      </a:ln>
+    </cs:spPr>
+  </cs:wall>
+</cs:chartStyle>
+</file>
+
+<file path=ppt/charts/style45.xml><?xml version="1.0" encoding="utf-8"?>
 <cs:chartStyle xmlns:cs="http://schemas.microsoft.com/office/drawing/2012/chartStyle" xmlns:a="http://schemas.openxmlformats.org/drawingml/2006/main" id="258">
   <cs:axisTitle>
     <cs:lnRef idx="0"/>
@@ -38469,7 +39506,7 @@
 </cs:chartStyle>
 </file>
 
-<file path=ppt/charts/style45.xml><?xml version="1.0" encoding="utf-8"?>
+<file path=ppt/charts/style46.xml><?xml version="1.0" encoding="utf-8"?>
 <cs:chartStyle xmlns:cs="http://schemas.microsoft.com/office/drawing/2012/chartStyle" xmlns:a="http://schemas.openxmlformats.org/drawingml/2006/main" id="251">
   <cs:axisTitle>
     <cs:lnRef idx="0"/>
@@ -38988,7 +40025,7 @@
 </cs:chartStyle>
 </file>
 
-<file path=ppt/charts/style46.xml><?xml version="1.0" encoding="utf-8"?>
+<file path=ppt/charts/style47.xml><?xml version="1.0" encoding="utf-8"?>
 <cs:chartStyle xmlns:cs="http://schemas.microsoft.com/office/drawing/2012/chartStyle" xmlns:a="http://schemas.openxmlformats.org/drawingml/2006/main" id="258">
   <cs:axisTitle>
     <cs:lnRef idx="0"/>
@@ -39505,7 +40542,7 @@
 </cs:chartStyle>
 </file>
 
-<file path=ppt/charts/style47.xml><?xml version="1.0" encoding="utf-8"?>
+<file path=ppt/charts/style48.xml><?xml version="1.0" encoding="utf-8"?>
 <cs:chartStyle xmlns:cs="http://schemas.microsoft.com/office/drawing/2012/chartStyle" xmlns:a="http://schemas.openxmlformats.org/drawingml/2006/main" id="201">
   <cs:axisTitle>
     <cs:lnRef idx="0"/>
@@ -40008,7 +41045,7 @@
 </cs:chartStyle>
 </file>
 
-<file path=ppt/charts/style48.xml><?xml version="1.0" encoding="utf-8"?>
+<file path=ppt/charts/style49.xml><?xml version="1.0" encoding="utf-8"?>
 <cs:chartStyle xmlns:cs="http://schemas.microsoft.com/office/drawing/2012/chartStyle" xmlns:a="http://schemas.openxmlformats.org/drawingml/2006/main" id="201">
   <cs:axisTitle>
     <cs:lnRef idx="0"/>
@@ -40511,7 +41548,7 @@
 </cs:chartStyle>
 </file>
 
-<file path=ppt/charts/style49.xml><?xml version="1.0" encoding="utf-8"?>
+<file path=ppt/charts/style5.xml><?xml version="1.0" encoding="utf-8"?>
 <cs:chartStyle xmlns:cs="http://schemas.microsoft.com/office/drawing/2012/chartStyle" xmlns:a="http://schemas.openxmlformats.org/drawingml/2006/main" id="201">
   <cs:axisTitle>
     <cs:lnRef idx="0"/>
@@ -40523,7 +41560,7 @@
         <a:lumOff val="35000"/>
       </a:schemeClr>
     </cs:fontRef>
-    <cs:defRPr sz="1000" kern="1200"/>
+    <cs:defRPr sz="1330" kern="1200"/>
   </cs:axisTitle>
   <cs:categoryAxis>
     <cs:lnRef idx="0"/>
@@ -40546,7 +41583,7 @@
         <a:round/>
       </a:ln>
     </cs:spPr>
-    <cs:defRPr sz="900" kern="1200"/>
+    <cs:defRPr sz="1197" kern="1200"/>
   </cs:categoryAxis>
   <cs:chartArea mods="allowNoFillOverride allowNoLineOverride">
     <cs:lnRef idx="0"/>
@@ -40569,7 +41606,7 @@
         <a:round/>
       </a:ln>
     </cs:spPr>
-    <cs:defRPr sz="1000" kern="1200"/>
+    <cs:defRPr sz="1330" kern="1200"/>
   </cs:chartArea>
   <cs:dataLabel>
     <cs:lnRef idx="0"/>
@@ -40581,7 +41618,7 @@
         <a:lumOff val="25000"/>
       </a:schemeClr>
     </cs:fontRef>
-    <cs:defRPr sz="900" kern="1200"/>
+    <cs:defRPr sz="1197" kern="1200"/>
   </cs:dataLabel>
   <cs:dataLabelCallout>
     <cs:lnRef idx="0"/>
@@ -40606,7 +41643,7 @@
         </a:solidFill>
       </a:ln>
     </cs:spPr>
-    <cs:defRPr sz="900" kern="1200"/>
+    <cs:defRPr sz="1197" kern="1200"/>
     <cs:bodyPr rot="0" spcFirstLastPara="1" vertOverflow="clip" horzOverflow="clip" vert="horz" wrap="square" lIns="36576" tIns="18288" rIns="36576" bIns="18288" anchor="ctr" anchorCtr="1">
       <a:spAutoFit/>
     </cs:bodyPr>
@@ -40709,7 +41746,7 @@
         <a:round/>
       </a:ln>
     </cs:spPr>
-    <cs:defRPr sz="900" kern="1200"/>
+    <cs:defRPr sz="1197" kern="1200"/>
   </cs:dataTable>
   <cs:downBar>
     <cs:lnRef idx="0"/>
@@ -40873,7 +41910,7 @@
         <a:lumOff val="35000"/>
       </a:schemeClr>
     </cs:fontRef>
-    <cs:defRPr sz="900" kern="1200"/>
+    <cs:defRPr sz="1197" kern="1200"/>
   </cs:legend>
   <cs:plotArea mods="allowNoFillOverride allowNoLineOverride">
     <cs:lnRef idx="0"/>
@@ -40901,7 +41938,7 @@
         <a:lumOff val="35000"/>
       </a:schemeClr>
     </cs:fontRef>
-    <cs:defRPr sz="900" kern="1200"/>
+    <cs:defRPr sz="1197" kern="1200"/>
   </cs:seriesAxis>
   <cs:seriesLine>
     <cs:lnRef idx="0"/>
@@ -40932,7 +41969,7 @@
         <a:lumOff val="35000"/>
       </a:schemeClr>
     </cs:fontRef>
-    <cs:defRPr sz="1400" b="0" kern="1200" spc="0" baseline="0"/>
+    <cs:defRPr sz="1862" b="0" kern="1200" spc="0" baseline="0"/>
   </cs:title>
   <cs:trendline>
     <cs:lnRef idx="0">
@@ -40962,7 +41999,7 @@
         <a:lumOff val="35000"/>
       </a:schemeClr>
     </cs:fontRef>
-    <cs:defRPr sz="900" kern="1200"/>
+    <cs:defRPr sz="1197" kern="1200"/>
   </cs:trendlineLabel>
   <cs:upBar>
     <cs:lnRef idx="0"/>
@@ -40995,7 +42032,7 @@
         <a:lumOff val="35000"/>
       </a:schemeClr>
     </cs:fontRef>
-    <cs:defRPr sz="900" kern="1200"/>
+    <cs:defRPr sz="1197" kern="1200"/>
   </cs:valueAxis>
   <cs:wall>
     <cs:lnRef idx="0"/>
@@ -41014,7 +42051,7 @@
 </cs:chartStyle>
 </file>
 
-<file path=ppt/charts/style5.xml><?xml version="1.0" encoding="utf-8"?>
+<file path=ppt/charts/style50.xml><?xml version="1.0" encoding="utf-8"?>
 <cs:chartStyle xmlns:cs="http://schemas.microsoft.com/office/drawing/2012/chartStyle" xmlns:a="http://schemas.openxmlformats.org/drawingml/2006/main" id="201">
   <cs:axisTitle>
     <cs:lnRef idx="0"/>
@@ -41026,7 +42063,7 @@
         <a:lumOff val="35000"/>
       </a:schemeClr>
     </cs:fontRef>
-    <cs:defRPr sz="1330" kern="1200"/>
+    <cs:defRPr sz="1000" kern="1200"/>
   </cs:axisTitle>
   <cs:categoryAxis>
     <cs:lnRef idx="0"/>
@@ -41049,7 +42086,7 @@
         <a:round/>
       </a:ln>
     </cs:spPr>
-    <cs:defRPr sz="1197" kern="1200"/>
+    <cs:defRPr sz="900" kern="1200"/>
   </cs:categoryAxis>
   <cs:chartArea mods="allowNoFillOverride allowNoLineOverride">
     <cs:lnRef idx="0"/>
@@ -41072,7 +42109,7 @@
         <a:round/>
       </a:ln>
     </cs:spPr>
-    <cs:defRPr sz="1330" kern="1200"/>
+    <cs:defRPr sz="1000" kern="1200"/>
   </cs:chartArea>
   <cs:dataLabel>
     <cs:lnRef idx="0"/>
@@ -41084,7 +42121,7 @@
         <a:lumOff val="25000"/>
       </a:schemeClr>
     </cs:fontRef>
-    <cs:defRPr sz="1197" kern="1200"/>
+    <cs:defRPr sz="900" kern="1200"/>
   </cs:dataLabel>
   <cs:dataLabelCallout>
     <cs:lnRef idx="0"/>
@@ -41109,7 +42146,7 @@
         </a:solidFill>
       </a:ln>
     </cs:spPr>
-    <cs:defRPr sz="1197" kern="1200"/>
+    <cs:defRPr sz="900" kern="1200"/>
     <cs:bodyPr rot="0" spcFirstLastPara="1" vertOverflow="clip" horzOverflow="clip" vert="horz" wrap="square" lIns="36576" tIns="18288" rIns="36576" bIns="18288" anchor="ctr" anchorCtr="1">
       <a:spAutoFit/>
     </cs:bodyPr>
@@ -41212,7 +42249,7 @@
         <a:round/>
       </a:ln>
     </cs:spPr>
-    <cs:defRPr sz="1197" kern="1200"/>
+    <cs:defRPr sz="900" kern="1200"/>
   </cs:dataTable>
   <cs:downBar>
     <cs:lnRef idx="0"/>
@@ -41376,7 +42413,7 @@
         <a:lumOff val="35000"/>
       </a:schemeClr>
     </cs:fontRef>
-    <cs:defRPr sz="1197" kern="1200"/>
+    <cs:defRPr sz="900" kern="1200"/>
   </cs:legend>
   <cs:plotArea mods="allowNoFillOverride allowNoLineOverride">
     <cs:lnRef idx="0"/>
@@ -41404,7 +42441,7 @@
         <a:lumOff val="35000"/>
       </a:schemeClr>
     </cs:fontRef>
-    <cs:defRPr sz="1197" kern="1200"/>
+    <cs:defRPr sz="900" kern="1200"/>
   </cs:seriesAxis>
   <cs:seriesLine>
     <cs:lnRef idx="0"/>
@@ -41435,7 +42472,7 @@
         <a:lumOff val="35000"/>
       </a:schemeClr>
     </cs:fontRef>
-    <cs:defRPr sz="1862" b="0" kern="1200" spc="0" baseline="0"/>
+    <cs:defRPr sz="1400" b="0" kern="1200" spc="0" baseline="0"/>
   </cs:title>
   <cs:trendline>
     <cs:lnRef idx="0">
@@ -41465,7 +42502,7 @@
         <a:lumOff val="35000"/>
       </a:schemeClr>
     </cs:fontRef>
-    <cs:defRPr sz="1197" kern="1200"/>
+    <cs:defRPr sz="900" kern="1200"/>
   </cs:trendlineLabel>
   <cs:upBar>
     <cs:lnRef idx="0"/>
@@ -41498,7 +42535,7 @@
         <a:lumOff val="35000"/>
       </a:schemeClr>
     </cs:fontRef>
-    <cs:defRPr sz="1197" kern="1200"/>
+    <cs:defRPr sz="900" kern="1200"/>
   </cs:valueAxis>
   <cs:wall>
     <cs:lnRef idx="0"/>
@@ -41517,7 +42554,7 @@
 </cs:chartStyle>
 </file>
 
-<file path=ppt/charts/style50.xml><?xml version="1.0" encoding="utf-8"?>
+<file path=ppt/charts/style51.xml><?xml version="1.0" encoding="utf-8"?>
 <cs:chartStyle xmlns:cs="http://schemas.microsoft.com/office/drawing/2012/chartStyle" xmlns:a="http://schemas.openxmlformats.org/drawingml/2006/main" id="381">
   <cs:axisTitle>
     <cs:lnRef idx="0"/>
@@ -42027,7 +43064,7 @@
 </cs:chartStyle>
 </file>
 
-<file path=ppt/charts/style51.xml><?xml version="1.0" encoding="utf-8"?>
+<file path=ppt/charts/style52.xml><?xml version="1.0" encoding="utf-8"?>
 <cs:chartStyle xmlns:cs="http://schemas.microsoft.com/office/drawing/2012/chartStyle" xmlns:a="http://schemas.openxmlformats.org/drawingml/2006/main" id="251">
   <cs:axisTitle>
     <cs:lnRef idx="0"/>
@@ -42546,7 +43583,7 @@
 </cs:chartStyle>
 </file>
 
-<file path=ppt/charts/style52.xml><?xml version="1.0" encoding="utf-8"?>
+<file path=ppt/charts/style53.xml><?xml version="1.0" encoding="utf-8"?>
 <cs:chartStyle xmlns:cs="http://schemas.microsoft.com/office/drawing/2012/chartStyle" xmlns:a="http://schemas.openxmlformats.org/drawingml/2006/main" id="258">
   <cs:axisTitle>
     <cs:lnRef idx="0"/>
@@ -43063,7 +44100,7 @@
 </cs:chartStyle>
 </file>
 
-<file path=ppt/charts/style53.xml><?xml version="1.0" encoding="utf-8"?>
+<file path=ppt/charts/style54.xml><?xml version="1.0" encoding="utf-8"?>
 <cs:chartStyle xmlns:cs="http://schemas.microsoft.com/office/drawing/2012/chartStyle" xmlns:a="http://schemas.openxmlformats.org/drawingml/2006/main" id="251">
   <cs:axisTitle>
     <cs:lnRef idx="0"/>
@@ -43582,7 +44619,7 @@
 </cs:chartStyle>
 </file>
 
-<file path=ppt/charts/style54.xml><?xml version="1.0" encoding="utf-8"?>
+<file path=ppt/charts/style55.xml><?xml version="1.0" encoding="utf-8"?>
 <cs:chartStyle xmlns:cs="http://schemas.microsoft.com/office/drawing/2012/chartStyle" xmlns:a="http://schemas.openxmlformats.org/drawingml/2006/main" id="258">
   <cs:axisTitle>
     <cs:lnRef idx="0"/>
@@ -44099,7 +45136,7 @@
 </cs:chartStyle>
 </file>
 
-<file path=ppt/charts/style55.xml><?xml version="1.0" encoding="utf-8"?>
+<file path=ppt/charts/style56.xml><?xml version="1.0" encoding="utf-8"?>
 <cs:chartStyle xmlns:cs="http://schemas.microsoft.com/office/drawing/2012/chartStyle" xmlns:a="http://schemas.openxmlformats.org/drawingml/2006/main" id="258">
   <cs:axisTitle>
     <cs:lnRef idx="0"/>
@@ -44616,7 +45653,7 @@
 </cs:chartStyle>
 </file>
 
-<file path=ppt/charts/style56.xml><?xml version="1.0" encoding="utf-8"?>
+<file path=ppt/charts/style57.xml><?xml version="1.0" encoding="utf-8"?>
 <cs:chartStyle xmlns:cs="http://schemas.microsoft.com/office/drawing/2012/chartStyle" xmlns:a="http://schemas.openxmlformats.org/drawingml/2006/main" id="410">
   <cs:axisTitle>
     <cs:lnRef idx="0"/>
@@ -45138,7 +46175,7 @@
 </cs:chartStyle>
 </file>
 
-<file path=ppt/charts/style57.xml><?xml version="1.0" encoding="utf-8"?>
+<file path=ppt/charts/style58.xml><?xml version="1.0" encoding="utf-8"?>
 <cs:chartStyle xmlns:cs="http://schemas.microsoft.com/office/drawing/2012/chartStyle" xmlns:a="http://schemas.openxmlformats.org/drawingml/2006/main" id="381">
   <cs:axisTitle>
     <cs:lnRef idx="0"/>
@@ -45648,7 +46685,7 @@
 </cs:chartStyle>
 </file>
 
-<file path=ppt/charts/style58.xml><?xml version="1.0" encoding="utf-8"?>
+<file path=ppt/charts/style59.xml><?xml version="1.0" encoding="utf-8"?>
 <cs:chartStyle xmlns:cs="http://schemas.microsoft.com/office/drawing/2012/chartStyle" xmlns:a="http://schemas.openxmlformats.org/drawingml/2006/main" id="258">
   <cs:axisTitle>
     <cs:lnRef idx="0"/>
@@ -46165,7 +47202,7 @@
 </cs:chartStyle>
 </file>
 
-<file path=ppt/charts/style59.xml><?xml version="1.0" encoding="utf-8"?>
+<file path=ppt/charts/style6.xml><?xml version="1.0" encoding="utf-8"?>
 <cs:chartStyle xmlns:cs="http://schemas.microsoft.com/office/drawing/2012/chartStyle" xmlns:a="http://schemas.openxmlformats.org/drawingml/2006/main" id="251">
   <cs:axisTitle>
     <cs:lnRef idx="0"/>
@@ -46684,7 +47721,7 @@
 </cs:chartStyle>
 </file>
 
-<file path=ppt/charts/style6.xml><?xml version="1.0" encoding="utf-8"?>
+<file path=ppt/charts/style60.xml><?xml version="1.0" encoding="utf-8"?>
 <cs:chartStyle xmlns:cs="http://schemas.microsoft.com/office/drawing/2012/chartStyle" xmlns:a="http://schemas.openxmlformats.org/drawingml/2006/main" id="251">
   <cs:axisTitle>
     <cs:lnRef idx="0"/>
@@ -47203,7 +48240,7 @@
 </cs:chartStyle>
 </file>
 
-<file path=ppt/charts/style60.xml><?xml version="1.0" encoding="utf-8"?>
+<file path=ppt/charts/style61.xml><?xml version="1.0" encoding="utf-8"?>
 <cs:chartStyle xmlns:cs="http://schemas.microsoft.com/office/drawing/2012/chartStyle" xmlns:a="http://schemas.openxmlformats.org/drawingml/2006/main" id="258">
   <cs:axisTitle>
     <cs:lnRef idx="0"/>
@@ -47720,7 +48757,7 @@
 </cs:chartStyle>
 </file>
 
-<file path=ppt/charts/style61.xml><?xml version="1.0" encoding="utf-8"?>
+<file path=ppt/charts/style62.xml><?xml version="1.0" encoding="utf-8"?>
 <cs:chartStyle xmlns:cs="http://schemas.microsoft.com/office/drawing/2012/chartStyle" xmlns:a="http://schemas.openxmlformats.org/drawingml/2006/main" id="258">
   <cs:axisTitle>
     <cs:lnRef idx="0"/>
@@ -48237,7 +49274,7 @@
 </cs:chartStyle>
 </file>
 
-<file path=ppt/charts/style62.xml><?xml version="1.0" encoding="utf-8"?>
+<file path=ppt/charts/style63.xml><?xml version="1.0" encoding="utf-8"?>
 <cs:chartStyle xmlns:cs="http://schemas.microsoft.com/office/drawing/2012/chartStyle" xmlns:a="http://schemas.openxmlformats.org/drawingml/2006/main" id="251">
   <cs:axisTitle>
     <cs:lnRef idx="0"/>
@@ -48756,7 +49793,7 @@
 </cs:chartStyle>
 </file>
 
-<file path=ppt/charts/style63.xml><?xml version="1.0" encoding="utf-8"?>
+<file path=ppt/charts/style64.xml><?xml version="1.0" encoding="utf-8"?>
 <cs:chartStyle xmlns:cs="http://schemas.microsoft.com/office/drawing/2012/chartStyle" xmlns:a="http://schemas.openxmlformats.org/drawingml/2006/main" id="258">
   <cs:axisTitle>
     <cs:lnRef idx="0"/>
@@ -57973,8 +59010,8 @@
           </a:p>
         </p:txBody>
       </p:sp>
-      <mc:AlternateContent xmlns:mc="http://schemas.openxmlformats.org/markup-compatibility/2006">
-        <mc:Choice xmlns:cx1="http://schemas.microsoft.com/office/drawing/2015/9/8/chartex" Requires="cx1">
+      <mc:AlternateContent xmlns:mc="http://schemas.openxmlformats.org/markup-compatibility/2006" xmlns:cx1="http://schemas.microsoft.com/office/drawing/2015/9/8/chartex">
+        <mc:Choice Requires="cx1">
           <p:graphicFrame>
             <p:nvGraphicFramePr>
               <p:cNvPr id="4" name="Marcador de contenido 3">
@@ -58007,7 +59044,7 @@
             </a:graphic>
           </p:graphicFrame>
         </mc:Choice>
-        <mc:Fallback>
+        <mc:Fallback xmlns="">
           <p:pic>
             <p:nvPicPr>
               <p:cNvPr id="4" name="Marcador de contenido 3">
@@ -58099,8 +59136,8 @@
           </a:p>
         </p:txBody>
       </p:sp>
-      <mc:AlternateContent xmlns:mc="http://schemas.openxmlformats.org/markup-compatibility/2006">
-        <mc:Choice xmlns:cx1="http://schemas.microsoft.com/office/drawing/2015/9/8/chartex" Requires="cx1">
+      <mc:AlternateContent xmlns:mc="http://schemas.openxmlformats.org/markup-compatibility/2006" xmlns:cx1="http://schemas.microsoft.com/office/drawing/2015/9/8/chartex">
+        <mc:Choice Requires="cx1">
           <p:graphicFrame>
             <p:nvGraphicFramePr>
               <p:cNvPr id="4" name="Marcador de contenido 3">
@@ -58133,7 +59170,7 @@
             </a:graphic>
           </p:graphicFrame>
         </mc:Choice>
-        <mc:Fallback>
+        <mc:Fallback xmlns="">
           <p:pic>
             <p:nvPicPr>
               <p:cNvPr id="4" name="Marcador de contenido 3">
@@ -58201,7 +59238,7 @@
           <p:cNvPr id="2" name="Título 1">
             <a:extLst>
               <a:ext uri="{FF2B5EF4-FFF2-40B4-BE49-F238E27FC236}">
-                <a16:creationId xmlns:a16="http://schemas.microsoft.com/office/drawing/2014/main" id="{06243D23-4240-BAB1-1CB1-167BA38815B4}"/>
+                <a16:creationId xmlns:a16="http://schemas.microsoft.com/office/drawing/2014/main" id="{6BC6805D-F3A9-DFFA-9A9A-35DFE94148C3}"/>
               </a:ext>
             </a:extLst>
           </p:cNvPr>
@@ -58209,7 +59246,7 @@
             <a:spLocks noGrp="1"/>
           </p:cNvSpPr>
           <p:nvPr>
-            <p:ph type="ctrTitle"/>
+            <p:ph type="title"/>
           </p:nvPr>
         </p:nvSpPr>
         <p:spPr/>
@@ -58219,41 +59256,47 @@
           <a:p>
             <a:r>
               <a:rPr lang="es-MX" dirty="0"/>
-              <a:t>Sustentabilidad</a:t>
+              <a:t>Capacitaciones necesitadas vs recibidas (%)</a:t>
             </a:r>
             <a:endParaRPr lang="es-CL" dirty="0"/>
           </a:p>
         </p:txBody>
       </p:sp>
-      <p:sp>
-        <p:nvSpPr>
-          <p:cNvPr id="3" name="Subtítulo 2">
+      <p:graphicFrame>
+        <p:nvGraphicFramePr>
+          <p:cNvPr id="4" name="Marcador de contenido 3">
             <a:extLst>
               <a:ext uri="{FF2B5EF4-FFF2-40B4-BE49-F238E27FC236}">
-                <a16:creationId xmlns:a16="http://schemas.microsoft.com/office/drawing/2014/main" id="{331AE47B-78D4-B988-FC67-F631190F9B84}"/>
+                <a16:creationId xmlns:a16="http://schemas.microsoft.com/office/drawing/2014/main" id="{12D29FC6-9F87-A8B8-679F-A11AAC135695}"/>
               </a:ext>
             </a:extLst>
           </p:cNvPr>
-          <p:cNvSpPr>
-            <a:spLocks noGrp="1"/>
-          </p:cNvSpPr>
+          <p:cNvGraphicFramePr>
+            <a:graphicFrameLocks noGrp="1"/>
+          </p:cNvGraphicFramePr>
           <p:nvPr>
-            <p:ph type="subTitle" idx="1"/>
+            <p:ph idx="1"/>
+            <p:extLst>
+              <p:ext uri="{D42A27DB-BD31-4B8C-83A1-F6EECF244321}">
+                <p14:modId xmlns:p14="http://schemas.microsoft.com/office/powerpoint/2010/main" val="2960241132"/>
+              </p:ext>
+            </p:extLst>
           </p:nvPr>
-        </p:nvSpPr>
-        <p:spPr/>
-        <p:txBody>
-          <a:bodyPr/>
-          <a:lstStyle/>
-          <a:p>
-            <a:endParaRPr lang="es-CL"/>
-          </a:p>
-        </p:txBody>
-      </p:sp>
+        </p:nvGraphicFramePr>
+        <p:xfrm>
+          <a:off x="838200" y="1825625"/>
+          <a:ext cx="10515600" cy="4351338"/>
+        </p:xfrm>
+        <a:graphic>
+          <a:graphicData uri="http://schemas.openxmlformats.org/drawingml/2006/chart">
+            <c:chart xmlns:c="http://schemas.openxmlformats.org/drawingml/2006/chart" xmlns:r="http://schemas.openxmlformats.org/officeDocument/2006/relationships" r:id="rId2"/>
+          </a:graphicData>
+        </a:graphic>
+      </p:graphicFrame>
     </p:spTree>
     <p:extLst>
       <p:ext uri="{BB962C8B-B14F-4D97-AF65-F5344CB8AC3E}">
-        <p14:creationId xmlns:p14="http://schemas.microsoft.com/office/powerpoint/2010/main" val="3592128817"/>
+        <p14:creationId xmlns:p14="http://schemas.microsoft.com/office/powerpoint/2010/main" val="311783543"/>
       </p:ext>
     </p:extLst>
   </p:cSld>
@@ -58375,6 +59418,90 @@
           <p:cNvPr id="2" name="Título 1">
             <a:extLst>
               <a:ext uri="{FF2B5EF4-FFF2-40B4-BE49-F238E27FC236}">
+                <a16:creationId xmlns:a16="http://schemas.microsoft.com/office/drawing/2014/main" id="{06243D23-4240-BAB1-1CB1-167BA38815B4}"/>
+              </a:ext>
+            </a:extLst>
+          </p:cNvPr>
+          <p:cNvSpPr>
+            <a:spLocks noGrp="1"/>
+          </p:cNvSpPr>
+          <p:nvPr>
+            <p:ph type="ctrTitle"/>
+          </p:nvPr>
+        </p:nvSpPr>
+        <p:spPr/>
+        <p:txBody>
+          <a:bodyPr/>
+          <a:lstStyle/>
+          <a:p>
+            <a:r>
+              <a:rPr lang="es-MX" dirty="0"/>
+              <a:t>Sustentabilidad</a:t>
+            </a:r>
+            <a:endParaRPr lang="es-CL" dirty="0"/>
+          </a:p>
+        </p:txBody>
+      </p:sp>
+      <p:sp>
+        <p:nvSpPr>
+          <p:cNvPr id="3" name="Subtítulo 2">
+            <a:extLst>
+              <a:ext uri="{FF2B5EF4-FFF2-40B4-BE49-F238E27FC236}">
+                <a16:creationId xmlns:a16="http://schemas.microsoft.com/office/drawing/2014/main" id="{331AE47B-78D4-B988-FC67-F631190F9B84}"/>
+              </a:ext>
+            </a:extLst>
+          </p:cNvPr>
+          <p:cNvSpPr>
+            <a:spLocks noGrp="1"/>
+          </p:cNvSpPr>
+          <p:nvPr>
+            <p:ph type="subTitle" idx="1"/>
+          </p:nvPr>
+        </p:nvSpPr>
+        <p:spPr/>
+        <p:txBody>
+          <a:bodyPr/>
+          <a:lstStyle/>
+          <a:p>
+            <a:endParaRPr lang="es-CL"/>
+          </a:p>
+        </p:txBody>
+      </p:sp>
+    </p:spTree>
+    <p:extLst>
+      <p:ext uri="{BB962C8B-B14F-4D97-AF65-F5344CB8AC3E}">
+        <p14:creationId xmlns:p14="http://schemas.microsoft.com/office/powerpoint/2010/main" val="3592128817"/>
+      </p:ext>
+    </p:extLst>
+  </p:cSld>
+  <p:clrMapOvr>
+    <a:masterClrMapping/>
+  </p:clrMapOvr>
+</p:sld>
+</file>
+
+<file path=ppt/slides/slide51.xml><?xml version="1.0" encoding="utf-8"?>
+<p:sld xmlns:a="http://schemas.openxmlformats.org/drawingml/2006/main" xmlns:r="http://schemas.openxmlformats.org/officeDocument/2006/relationships" xmlns:p="http://schemas.openxmlformats.org/presentationml/2006/main">
+  <p:cSld>
+    <p:spTree>
+      <p:nvGrpSpPr>
+        <p:cNvPr id="1" name=""/>
+        <p:cNvGrpSpPr/>
+        <p:nvPr/>
+      </p:nvGrpSpPr>
+      <p:grpSpPr>
+        <a:xfrm>
+          <a:off x="0" y="0"/>
+          <a:ext cx="0" cy="0"/>
+          <a:chOff x="0" y="0"/>
+          <a:chExt cx="0" cy="0"/>
+        </a:xfrm>
+      </p:grpSpPr>
+      <p:sp>
+        <p:nvSpPr>
+          <p:cNvPr id="2" name="Título 1">
+            <a:extLst>
+              <a:ext uri="{FF2B5EF4-FFF2-40B4-BE49-F238E27FC236}">
                 <a16:creationId xmlns:a16="http://schemas.microsoft.com/office/drawing/2014/main" id="{554FA74C-E3E9-A625-33EB-0E8EF64E9FC5}"/>
               </a:ext>
             </a:extLst>
@@ -58445,7 +59572,7 @@
 </p:sld>
 </file>
 
-<file path=ppt/slides/slide51.xml><?xml version="1.0" encoding="utf-8"?>
+<file path=ppt/slides/slide52.xml><?xml version="1.0" encoding="utf-8"?>
 <p:sld xmlns:a="http://schemas.openxmlformats.org/drawingml/2006/main" xmlns:r="http://schemas.openxmlformats.org/officeDocument/2006/relationships" xmlns:p="http://schemas.openxmlformats.org/presentationml/2006/main">
   <p:cSld>
     <p:bg>
@@ -58610,7 +59737,7 @@
 </p:sld>
 </file>
 
-<file path=ppt/slides/slide52.xml><?xml version="1.0" encoding="utf-8"?>
+<file path=ppt/slides/slide53.xml><?xml version="1.0" encoding="utf-8"?>
 <p:sld xmlns:a="http://schemas.openxmlformats.org/drawingml/2006/main" xmlns:r="http://schemas.openxmlformats.org/officeDocument/2006/relationships" xmlns:p="http://schemas.openxmlformats.org/presentationml/2006/main">
   <p:cSld>
     <p:spTree>
@@ -58695,7 +59822,7 @@
 </p:sld>
 </file>
 
-<file path=ppt/slides/slide53.xml><?xml version="1.0" encoding="utf-8"?>
+<file path=ppt/slides/slide54.xml><?xml version="1.0" encoding="utf-8"?>
 <p:sld xmlns:a="http://schemas.openxmlformats.org/drawingml/2006/main" xmlns:r="http://schemas.openxmlformats.org/officeDocument/2006/relationships" xmlns:p="http://schemas.openxmlformats.org/presentationml/2006/main">
   <p:cSld>
     <p:spTree>
@@ -58785,7 +59912,7 @@
 </p:sld>
 </file>
 
-<file path=ppt/slides/slide54.xml><?xml version="1.0" encoding="utf-8"?>
+<file path=ppt/slides/slide55.xml><?xml version="1.0" encoding="utf-8"?>
 <p:sld xmlns:a="http://schemas.openxmlformats.org/drawingml/2006/main" xmlns:r="http://schemas.openxmlformats.org/officeDocument/2006/relationships" xmlns:p="http://schemas.openxmlformats.org/presentationml/2006/main">
   <p:cSld>
     <p:spTree>
@@ -58875,7 +60002,7 @@
 </p:sld>
 </file>
 
-<file path=ppt/slides/slide55.xml><?xml version="1.0" encoding="utf-8"?>
+<file path=ppt/slides/slide56.xml><?xml version="1.0" encoding="utf-8"?>
 <p:sld xmlns:a="http://schemas.openxmlformats.org/drawingml/2006/main" xmlns:r="http://schemas.openxmlformats.org/officeDocument/2006/relationships" xmlns:p="http://schemas.openxmlformats.org/presentationml/2006/main">
   <p:cSld>
     <p:spTree>
@@ -58965,7 +60092,7 @@
 </p:sld>
 </file>
 
-<file path=ppt/slides/slide56.xml><?xml version="1.0" encoding="utf-8"?>
+<file path=ppt/slides/slide57.xml><?xml version="1.0" encoding="utf-8"?>
 <p:sld xmlns:a="http://schemas.openxmlformats.org/drawingml/2006/main" xmlns:r="http://schemas.openxmlformats.org/officeDocument/2006/relationships" xmlns:p="http://schemas.openxmlformats.org/presentationml/2006/main">
   <p:cSld>
     <p:spTree>
@@ -59055,7 +60182,7 @@
 </p:sld>
 </file>
 
-<file path=ppt/slides/slide57.xml><?xml version="1.0" encoding="utf-8"?>
+<file path=ppt/slides/slide58.xml><?xml version="1.0" encoding="utf-8"?>
 <p:sld xmlns:a="http://schemas.openxmlformats.org/drawingml/2006/main" xmlns:r="http://schemas.openxmlformats.org/officeDocument/2006/relationships" xmlns:p="http://schemas.openxmlformats.org/presentationml/2006/main">
   <p:cSld>
     <p:spTree>
@@ -59145,7 +60272,7 @@
 </p:sld>
 </file>
 
-<file path=ppt/slides/slide58.xml><?xml version="1.0" encoding="utf-8"?>
+<file path=ppt/slides/slide59.xml><?xml version="1.0" encoding="utf-8"?>
 <p:sld xmlns:a="http://schemas.openxmlformats.org/drawingml/2006/main" xmlns:r="http://schemas.openxmlformats.org/officeDocument/2006/relationships" xmlns:p="http://schemas.openxmlformats.org/presentationml/2006/main">
   <p:cSld>
     <p:spTree>
@@ -59226,96 +60353,6 @@
     <p:extLst>
       <p:ext uri="{BB962C8B-B14F-4D97-AF65-F5344CB8AC3E}">
         <p14:creationId xmlns:p14="http://schemas.microsoft.com/office/powerpoint/2010/main" val="1556119062"/>
-      </p:ext>
-    </p:extLst>
-  </p:cSld>
-  <p:clrMapOvr>
-    <a:masterClrMapping/>
-  </p:clrMapOvr>
-</p:sld>
-</file>
-
-<file path=ppt/slides/slide59.xml><?xml version="1.0" encoding="utf-8"?>
-<p:sld xmlns:a="http://schemas.openxmlformats.org/drawingml/2006/main" xmlns:r="http://schemas.openxmlformats.org/officeDocument/2006/relationships" xmlns:p="http://schemas.openxmlformats.org/presentationml/2006/main">
-  <p:cSld>
-    <p:spTree>
-      <p:nvGrpSpPr>
-        <p:cNvPr id="1" name=""/>
-        <p:cNvGrpSpPr/>
-        <p:nvPr/>
-      </p:nvGrpSpPr>
-      <p:grpSpPr>
-        <a:xfrm>
-          <a:off x="0" y="0"/>
-          <a:ext cx="0" cy="0"/>
-          <a:chOff x="0" y="0"/>
-          <a:chExt cx="0" cy="0"/>
-        </a:xfrm>
-      </p:grpSpPr>
-      <p:sp>
-        <p:nvSpPr>
-          <p:cNvPr id="2" name="Título 1">
-            <a:extLst>
-              <a:ext uri="{FF2B5EF4-FFF2-40B4-BE49-F238E27FC236}">
-                <a16:creationId xmlns:a16="http://schemas.microsoft.com/office/drawing/2014/main" id="{52DB41FA-8428-0BC9-D085-731541709326}"/>
-              </a:ext>
-            </a:extLst>
-          </p:cNvPr>
-          <p:cNvSpPr>
-            <a:spLocks noGrp="1"/>
-          </p:cNvSpPr>
-          <p:nvPr>
-            <p:ph type="title"/>
-          </p:nvPr>
-        </p:nvSpPr>
-        <p:spPr/>
-        <p:txBody>
-          <a:bodyPr/>
-          <a:lstStyle/>
-          <a:p>
-            <a:r>
-              <a:rPr lang="es-MX" dirty="0"/>
-              <a:t>Capacidad de carga</a:t>
-            </a:r>
-            <a:endParaRPr lang="es-CL" dirty="0"/>
-          </a:p>
-        </p:txBody>
-      </p:sp>
-      <p:graphicFrame>
-        <p:nvGraphicFramePr>
-          <p:cNvPr id="4" name="Marcador de contenido 3">
-            <a:extLst>
-              <a:ext uri="{FF2B5EF4-FFF2-40B4-BE49-F238E27FC236}">
-                <a16:creationId xmlns:a16="http://schemas.microsoft.com/office/drawing/2014/main" id="{5CB3D9A1-DE21-C80C-5FE5-1FF8B60BC6BD}"/>
-              </a:ext>
-            </a:extLst>
-          </p:cNvPr>
-          <p:cNvGraphicFramePr>
-            <a:graphicFrameLocks noGrp="1"/>
-          </p:cNvGraphicFramePr>
-          <p:nvPr>
-            <p:ph idx="1"/>
-            <p:extLst>
-              <p:ext uri="{D42A27DB-BD31-4B8C-83A1-F6EECF244321}">
-                <p14:modId xmlns:p14="http://schemas.microsoft.com/office/powerpoint/2010/main" val="3266262757"/>
-              </p:ext>
-            </p:extLst>
-          </p:nvPr>
-        </p:nvGraphicFramePr>
-        <p:xfrm>
-          <a:off x="838200" y="1825625"/>
-          <a:ext cx="10515600" cy="4351338"/>
-        </p:xfrm>
-        <a:graphic>
-          <a:graphicData uri="http://schemas.openxmlformats.org/drawingml/2006/chart">
-            <c:chart xmlns:c="http://schemas.openxmlformats.org/drawingml/2006/chart" xmlns:r="http://schemas.openxmlformats.org/officeDocument/2006/relationships" r:id="rId2"/>
-          </a:graphicData>
-        </a:graphic>
-      </p:graphicFrame>
-    </p:spTree>
-    <p:extLst>
-      <p:ext uri="{BB962C8B-B14F-4D97-AF65-F5344CB8AC3E}">
-        <p14:creationId xmlns:p14="http://schemas.microsoft.com/office/powerpoint/2010/main" val="1937390798"/>
       </p:ext>
     </p:extLst>
   </p:cSld>
@@ -59431,6 +60468,96 @@
           <p:cNvPr id="2" name="Título 1">
             <a:extLst>
               <a:ext uri="{FF2B5EF4-FFF2-40B4-BE49-F238E27FC236}">
+                <a16:creationId xmlns:a16="http://schemas.microsoft.com/office/drawing/2014/main" id="{52DB41FA-8428-0BC9-D085-731541709326}"/>
+              </a:ext>
+            </a:extLst>
+          </p:cNvPr>
+          <p:cNvSpPr>
+            <a:spLocks noGrp="1"/>
+          </p:cNvSpPr>
+          <p:nvPr>
+            <p:ph type="title"/>
+          </p:nvPr>
+        </p:nvSpPr>
+        <p:spPr/>
+        <p:txBody>
+          <a:bodyPr/>
+          <a:lstStyle/>
+          <a:p>
+            <a:r>
+              <a:rPr lang="es-MX" dirty="0"/>
+              <a:t>Capacidad de carga</a:t>
+            </a:r>
+            <a:endParaRPr lang="es-CL" dirty="0"/>
+          </a:p>
+        </p:txBody>
+      </p:sp>
+      <p:graphicFrame>
+        <p:nvGraphicFramePr>
+          <p:cNvPr id="4" name="Marcador de contenido 3">
+            <a:extLst>
+              <a:ext uri="{FF2B5EF4-FFF2-40B4-BE49-F238E27FC236}">
+                <a16:creationId xmlns:a16="http://schemas.microsoft.com/office/drawing/2014/main" id="{5CB3D9A1-DE21-C80C-5FE5-1FF8B60BC6BD}"/>
+              </a:ext>
+            </a:extLst>
+          </p:cNvPr>
+          <p:cNvGraphicFramePr>
+            <a:graphicFrameLocks noGrp="1"/>
+          </p:cNvGraphicFramePr>
+          <p:nvPr>
+            <p:ph idx="1"/>
+            <p:extLst>
+              <p:ext uri="{D42A27DB-BD31-4B8C-83A1-F6EECF244321}">
+                <p14:modId xmlns:p14="http://schemas.microsoft.com/office/powerpoint/2010/main" val="3266262757"/>
+              </p:ext>
+            </p:extLst>
+          </p:nvPr>
+        </p:nvGraphicFramePr>
+        <p:xfrm>
+          <a:off x="838200" y="1825625"/>
+          <a:ext cx="10515600" cy="4351338"/>
+        </p:xfrm>
+        <a:graphic>
+          <a:graphicData uri="http://schemas.openxmlformats.org/drawingml/2006/chart">
+            <c:chart xmlns:c="http://schemas.openxmlformats.org/drawingml/2006/chart" xmlns:r="http://schemas.openxmlformats.org/officeDocument/2006/relationships" r:id="rId2"/>
+          </a:graphicData>
+        </a:graphic>
+      </p:graphicFrame>
+    </p:spTree>
+    <p:extLst>
+      <p:ext uri="{BB962C8B-B14F-4D97-AF65-F5344CB8AC3E}">
+        <p14:creationId xmlns:p14="http://schemas.microsoft.com/office/powerpoint/2010/main" val="1937390798"/>
+      </p:ext>
+    </p:extLst>
+  </p:cSld>
+  <p:clrMapOvr>
+    <a:masterClrMapping/>
+  </p:clrMapOvr>
+</p:sld>
+</file>
+
+<file path=ppt/slides/slide61.xml><?xml version="1.0" encoding="utf-8"?>
+<p:sld xmlns:a="http://schemas.openxmlformats.org/drawingml/2006/main" xmlns:r="http://schemas.openxmlformats.org/officeDocument/2006/relationships" xmlns:p="http://schemas.openxmlformats.org/presentationml/2006/main">
+  <p:cSld>
+    <p:spTree>
+      <p:nvGrpSpPr>
+        <p:cNvPr id="1" name=""/>
+        <p:cNvGrpSpPr/>
+        <p:nvPr/>
+      </p:nvGrpSpPr>
+      <p:grpSpPr>
+        <a:xfrm>
+          <a:off x="0" y="0"/>
+          <a:ext cx="0" cy="0"/>
+          <a:chOff x="0" y="0"/>
+          <a:chExt cx="0" cy="0"/>
+        </a:xfrm>
+      </p:grpSpPr>
+      <p:sp>
+        <p:nvSpPr>
+          <p:cNvPr id="2" name="Título 1">
+            <a:extLst>
+              <a:ext uri="{FF2B5EF4-FFF2-40B4-BE49-F238E27FC236}">
                 <a16:creationId xmlns:a16="http://schemas.microsoft.com/office/drawing/2014/main" id="{7E483D66-ED1A-78C6-D36D-5B4C5D770F71}"/>
               </a:ext>
             </a:extLst>
@@ -59499,7 +60626,7 @@
 </p:sld>
 </file>
 
-<file path=ppt/slides/slide61.xml><?xml version="1.0" encoding="utf-8"?>
+<file path=ppt/slides/slide62.xml><?xml version="1.0" encoding="utf-8"?>
 <p:sld xmlns:a="http://schemas.openxmlformats.org/drawingml/2006/main" xmlns:r="http://schemas.openxmlformats.org/officeDocument/2006/relationships" xmlns:p="http://schemas.openxmlformats.org/presentationml/2006/main">
   <p:cSld>
     <p:spTree>
@@ -59589,7 +60716,7 @@
 </p:sld>
 </file>
 
-<file path=ppt/slides/slide62.xml><?xml version="1.0" encoding="utf-8"?>
+<file path=ppt/slides/slide63.xml><?xml version="1.0" encoding="utf-8"?>
 <p:sld xmlns:a="http://schemas.openxmlformats.org/drawingml/2006/main" xmlns:r="http://schemas.openxmlformats.org/officeDocument/2006/relationships" xmlns:p="http://schemas.openxmlformats.org/presentationml/2006/main">
   <p:cSld>
     <p:spTree>
@@ -59673,7 +60800,7 @@
 </p:sld>
 </file>
 
-<file path=ppt/slides/slide63.xml><?xml version="1.0" encoding="utf-8"?>
+<file path=ppt/slides/slide64.xml><?xml version="1.0" encoding="utf-8"?>
 <p:sld xmlns:a="http://schemas.openxmlformats.org/drawingml/2006/main" xmlns:r="http://schemas.openxmlformats.org/officeDocument/2006/relationships" xmlns:p="http://schemas.openxmlformats.org/presentationml/2006/main">
   <p:cSld>
     <p:bg>
@@ -59838,7 +60965,7 @@
 </p:sld>
 </file>
 
-<file path=ppt/slides/slide64.xml><?xml version="1.0" encoding="utf-8"?>
+<file path=ppt/slides/slide65.xml><?xml version="1.0" encoding="utf-8"?>
 <p:sld xmlns:a="http://schemas.openxmlformats.org/drawingml/2006/main" xmlns:r="http://schemas.openxmlformats.org/officeDocument/2006/relationships" xmlns:p="http://schemas.openxmlformats.org/presentationml/2006/main">
   <p:cSld>
     <p:spTree>
@@ -59990,7 +61117,7 @@
 </p:sld>
 </file>
 
-<file path=ppt/slides/slide65.xml><?xml version="1.0" encoding="utf-8"?>
+<file path=ppt/slides/slide66.xml><?xml version="1.0" encoding="utf-8"?>
 <p:sld xmlns:a="http://schemas.openxmlformats.org/drawingml/2006/main" xmlns:r="http://schemas.openxmlformats.org/officeDocument/2006/relationships" xmlns:p="http://schemas.openxmlformats.org/presentationml/2006/main">
   <p:cSld>
     <p:spTree>
@@ -60116,7 +61243,7 @@
 </p:sld>
 </file>
 
-<file path=ppt/slides/slide66.xml><?xml version="1.0" encoding="utf-8"?>
+<file path=ppt/slides/slide67.xml><?xml version="1.0" encoding="utf-8"?>
 <p:sld xmlns:a="http://schemas.openxmlformats.org/drawingml/2006/main" xmlns:r="http://schemas.openxmlformats.org/officeDocument/2006/relationships" xmlns:p="http://schemas.openxmlformats.org/presentationml/2006/main">
   <p:cSld>
     <p:spTree>
@@ -60206,7 +61333,7 @@
 </p:sld>
 </file>
 
-<file path=ppt/slides/slide67.xml><?xml version="1.0" encoding="utf-8"?>
+<file path=ppt/slides/slide68.xml><?xml version="1.0" encoding="utf-8"?>
 <p:sld xmlns:a="http://schemas.openxmlformats.org/drawingml/2006/main" xmlns:r="http://schemas.openxmlformats.org/officeDocument/2006/relationships" xmlns:p="http://schemas.openxmlformats.org/presentationml/2006/main">
   <p:cSld>
     <p:bg>
@@ -60371,7 +61498,7 @@
 </p:sld>
 </file>
 
-<file path=ppt/slides/slide68.xml><?xml version="1.0" encoding="utf-8"?>
+<file path=ppt/slides/slide69.xml><?xml version="1.0" encoding="utf-8"?>
 <p:sld xmlns:a="http://schemas.openxmlformats.org/drawingml/2006/main" xmlns:r="http://schemas.openxmlformats.org/officeDocument/2006/relationships" xmlns:p="http://schemas.openxmlformats.org/presentationml/2006/main">
   <p:cSld>
     <p:spTree>
@@ -60454,101 +61581,6 @@
     <p:extLst>
       <p:ext uri="{BB962C8B-B14F-4D97-AF65-F5344CB8AC3E}">
         <p14:creationId xmlns:p14="http://schemas.microsoft.com/office/powerpoint/2010/main" val="910499801"/>
-      </p:ext>
-    </p:extLst>
-  </p:cSld>
-  <p:clrMapOvr>
-    <a:masterClrMapping/>
-  </p:clrMapOvr>
-</p:sld>
-</file>
-
-<file path=ppt/slides/slide69.xml><?xml version="1.0" encoding="utf-8"?>
-<p:sld xmlns:a="http://schemas.openxmlformats.org/drawingml/2006/main" xmlns:r="http://schemas.openxmlformats.org/officeDocument/2006/relationships" xmlns:p="http://schemas.openxmlformats.org/presentationml/2006/main">
-  <p:cSld>
-    <p:spTree>
-      <p:nvGrpSpPr>
-        <p:cNvPr id="1" name=""/>
-        <p:cNvGrpSpPr/>
-        <p:nvPr/>
-      </p:nvGrpSpPr>
-      <p:grpSpPr>
-        <a:xfrm>
-          <a:off x="0" y="0"/>
-          <a:ext cx="0" cy="0"/>
-          <a:chOff x="0" y="0"/>
-          <a:chExt cx="0" cy="0"/>
-        </a:xfrm>
-      </p:grpSpPr>
-      <p:sp>
-        <p:nvSpPr>
-          <p:cNvPr id="2" name="Título 1">
-            <a:extLst>
-              <a:ext uri="{FF2B5EF4-FFF2-40B4-BE49-F238E27FC236}">
-                <a16:creationId xmlns:a16="http://schemas.microsoft.com/office/drawing/2014/main" id="{363AE4D8-2A9A-C213-9F58-80CC33BC74D1}"/>
-              </a:ext>
-            </a:extLst>
-          </p:cNvPr>
-          <p:cNvSpPr>
-            <a:spLocks noGrp="1"/>
-          </p:cNvSpPr>
-          <p:nvPr>
-            <p:ph type="title"/>
-          </p:nvPr>
-        </p:nvSpPr>
-        <p:spPr>
-          <a:xfrm>
-            <a:off x="838200" y="334645"/>
-            <a:ext cx="10515600" cy="1325563"/>
-          </a:xfrm>
-        </p:spPr>
-        <p:txBody>
-          <a:bodyPr/>
-          <a:lstStyle/>
-          <a:p>
-            <a:r>
-              <a:rPr lang="es-MX" dirty="0"/>
-              <a:t>¿Posee una zona segura?</a:t>
-            </a:r>
-            <a:endParaRPr lang="es-CL" dirty="0"/>
-          </a:p>
-        </p:txBody>
-      </p:sp>
-      <p:graphicFrame>
-        <p:nvGraphicFramePr>
-          <p:cNvPr id="5" name="Marcador de contenido 4">
-            <a:extLst>
-              <a:ext uri="{FF2B5EF4-FFF2-40B4-BE49-F238E27FC236}">
-                <a16:creationId xmlns:a16="http://schemas.microsoft.com/office/drawing/2014/main" id="{8E62BFEA-8FAF-AC33-0420-55AFCE7844B4}"/>
-              </a:ext>
-            </a:extLst>
-          </p:cNvPr>
-          <p:cNvGraphicFramePr>
-            <a:graphicFrameLocks noGrp="1"/>
-          </p:cNvGraphicFramePr>
-          <p:nvPr>
-            <p:ph idx="1"/>
-            <p:extLst>
-              <p:ext uri="{D42A27DB-BD31-4B8C-83A1-F6EECF244321}">
-                <p14:modId xmlns:p14="http://schemas.microsoft.com/office/powerpoint/2010/main" val="2567781884"/>
-              </p:ext>
-            </p:extLst>
-          </p:nvPr>
-        </p:nvGraphicFramePr>
-        <p:xfrm>
-          <a:off x="411480" y="1863408"/>
-          <a:ext cx="11191240" cy="4486275"/>
-        </p:xfrm>
-        <a:graphic>
-          <a:graphicData uri="http://schemas.openxmlformats.org/drawingml/2006/chart">
-            <c:chart xmlns:c="http://schemas.openxmlformats.org/drawingml/2006/chart" xmlns:r="http://schemas.openxmlformats.org/officeDocument/2006/relationships" r:id="rId2"/>
-          </a:graphicData>
-        </a:graphic>
-      </p:graphicFrame>
-    </p:spTree>
-    <p:extLst>
-      <p:ext uri="{BB962C8B-B14F-4D97-AF65-F5344CB8AC3E}">
-        <p14:creationId xmlns:p14="http://schemas.microsoft.com/office/powerpoint/2010/main" val="3317096606"/>
       </p:ext>
     </p:extLst>
   </p:cSld>
@@ -60649,6 +61681,101 @@
 </file>
 
 <file path=ppt/slides/slide70.xml><?xml version="1.0" encoding="utf-8"?>
+<p:sld xmlns:a="http://schemas.openxmlformats.org/drawingml/2006/main" xmlns:r="http://schemas.openxmlformats.org/officeDocument/2006/relationships" xmlns:p="http://schemas.openxmlformats.org/presentationml/2006/main">
+  <p:cSld>
+    <p:spTree>
+      <p:nvGrpSpPr>
+        <p:cNvPr id="1" name=""/>
+        <p:cNvGrpSpPr/>
+        <p:nvPr/>
+      </p:nvGrpSpPr>
+      <p:grpSpPr>
+        <a:xfrm>
+          <a:off x="0" y="0"/>
+          <a:ext cx="0" cy="0"/>
+          <a:chOff x="0" y="0"/>
+          <a:chExt cx="0" cy="0"/>
+        </a:xfrm>
+      </p:grpSpPr>
+      <p:sp>
+        <p:nvSpPr>
+          <p:cNvPr id="2" name="Título 1">
+            <a:extLst>
+              <a:ext uri="{FF2B5EF4-FFF2-40B4-BE49-F238E27FC236}">
+                <a16:creationId xmlns:a16="http://schemas.microsoft.com/office/drawing/2014/main" id="{363AE4D8-2A9A-C213-9F58-80CC33BC74D1}"/>
+              </a:ext>
+            </a:extLst>
+          </p:cNvPr>
+          <p:cNvSpPr>
+            <a:spLocks noGrp="1"/>
+          </p:cNvSpPr>
+          <p:nvPr>
+            <p:ph type="title"/>
+          </p:nvPr>
+        </p:nvSpPr>
+        <p:spPr>
+          <a:xfrm>
+            <a:off x="838200" y="334645"/>
+            <a:ext cx="10515600" cy="1325563"/>
+          </a:xfrm>
+        </p:spPr>
+        <p:txBody>
+          <a:bodyPr/>
+          <a:lstStyle/>
+          <a:p>
+            <a:r>
+              <a:rPr lang="es-MX" dirty="0"/>
+              <a:t>¿Posee una zona segura?</a:t>
+            </a:r>
+            <a:endParaRPr lang="es-CL" dirty="0"/>
+          </a:p>
+        </p:txBody>
+      </p:sp>
+      <p:graphicFrame>
+        <p:nvGraphicFramePr>
+          <p:cNvPr id="5" name="Marcador de contenido 4">
+            <a:extLst>
+              <a:ext uri="{FF2B5EF4-FFF2-40B4-BE49-F238E27FC236}">
+                <a16:creationId xmlns:a16="http://schemas.microsoft.com/office/drawing/2014/main" id="{8E62BFEA-8FAF-AC33-0420-55AFCE7844B4}"/>
+              </a:ext>
+            </a:extLst>
+          </p:cNvPr>
+          <p:cNvGraphicFramePr>
+            <a:graphicFrameLocks noGrp="1"/>
+          </p:cNvGraphicFramePr>
+          <p:nvPr>
+            <p:ph idx="1"/>
+            <p:extLst>
+              <p:ext uri="{D42A27DB-BD31-4B8C-83A1-F6EECF244321}">
+                <p14:modId xmlns:p14="http://schemas.microsoft.com/office/powerpoint/2010/main" val="2567781884"/>
+              </p:ext>
+            </p:extLst>
+          </p:nvPr>
+        </p:nvGraphicFramePr>
+        <p:xfrm>
+          <a:off x="411480" y="1863408"/>
+          <a:ext cx="11191240" cy="4486275"/>
+        </p:xfrm>
+        <a:graphic>
+          <a:graphicData uri="http://schemas.openxmlformats.org/drawingml/2006/chart">
+            <c:chart xmlns:c="http://schemas.openxmlformats.org/drawingml/2006/chart" xmlns:r="http://schemas.openxmlformats.org/officeDocument/2006/relationships" r:id="rId2"/>
+          </a:graphicData>
+        </a:graphic>
+      </p:graphicFrame>
+    </p:spTree>
+    <p:extLst>
+      <p:ext uri="{BB962C8B-B14F-4D97-AF65-F5344CB8AC3E}">
+        <p14:creationId xmlns:p14="http://schemas.microsoft.com/office/powerpoint/2010/main" val="3317096606"/>
+      </p:ext>
+    </p:extLst>
+  </p:cSld>
+  <p:clrMapOvr>
+    <a:masterClrMapping/>
+  </p:clrMapOvr>
+</p:sld>
+</file>
+
+<file path=ppt/slides/slide71.xml><?xml version="1.0" encoding="utf-8"?>
 <p:sld xmlns:a="http://schemas.openxmlformats.org/drawingml/2006/main" xmlns:r="http://schemas.openxmlformats.org/officeDocument/2006/relationships" xmlns:p="http://schemas.openxmlformats.org/presentationml/2006/main">
   <p:cSld>
     <p:spTree>

--- a/PPT - Avance  (Marzo, 2024).pptx
+++ b/PPT - Avance  (Marzo, 2024).pptx
@@ -52040,7 +52040,7 @@
           <a:p>
             <a:fld id="{89D13B50-39DD-4016-8DE9-0FD1AB533C8D}" type="datetimeFigureOut">
               <a:rPr lang="es-CL" smtClean="0"/>
-              <a:t>01-04-2024</a:t>
+              <a:t>02-04-2024</a:t>
             </a:fld>
             <a:endParaRPr lang="es-CL"/>
           </a:p>
@@ -52240,7 +52240,7 @@
           <a:p>
             <a:fld id="{89D13B50-39DD-4016-8DE9-0FD1AB533C8D}" type="datetimeFigureOut">
               <a:rPr lang="es-CL" smtClean="0"/>
-              <a:t>01-04-2024</a:t>
+              <a:t>02-04-2024</a:t>
             </a:fld>
             <a:endParaRPr lang="es-CL"/>
           </a:p>
@@ -52450,7 +52450,7 @@
           <a:p>
             <a:fld id="{89D13B50-39DD-4016-8DE9-0FD1AB533C8D}" type="datetimeFigureOut">
               <a:rPr lang="es-CL" smtClean="0"/>
-              <a:t>01-04-2024</a:t>
+              <a:t>02-04-2024</a:t>
             </a:fld>
             <a:endParaRPr lang="es-CL"/>
           </a:p>
@@ -52650,7 +52650,7 @@
           <a:p>
             <a:fld id="{89D13B50-39DD-4016-8DE9-0FD1AB533C8D}" type="datetimeFigureOut">
               <a:rPr lang="es-CL" smtClean="0"/>
-              <a:t>01-04-2024</a:t>
+              <a:t>02-04-2024</a:t>
             </a:fld>
             <a:endParaRPr lang="es-CL"/>
           </a:p>
@@ -52926,7 +52926,7 @@
           <a:p>
             <a:fld id="{89D13B50-39DD-4016-8DE9-0FD1AB533C8D}" type="datetimeFigureOut">
               <a:rPr lang="es-CL" smtClean="0"/>
-              <a:t>01-04-2024</a:t>
+              <a:t>02-04-2024</a:t>
             </a:fld>
             <a:endParaRPr lang="es-CL"/>
           </a:p>
@@ -53194,7 +53194,7 @@
           <a:p>
             <a:fld id="{89D13B50-39DD-4016-8DE9-0FD1AB533C8D}" type="datetimeFigureOut">
               <a:rPr lang="es-CL" smtClean="0"/>
-              <a:t>01-04-2024</a:t>
+              <a:t>02-04-2024</a:t>
             </a:fld>
             <a:endParaRPr lang="es-CL"/>
           </a:p>
@@ -53609,7 +53609,7 @@
           <a:p>
             <a:fld id="{89D13B50-39DD-4016-8DE9-0FD1AB533C8D}" type="datetimeFigureOut">
               <a:rPr lang="es-CL" smtClean="0"/>
-              <a:t>01-04-2024</a:t>
+              <a:t>02-04-2024</a:t>
             </a:fld>
             <a:endParaRPr lang="es-CL"/>
           </a:p>
@@ -53751,7 +53751,7 @@
           <a:p>
             <a:fld id="{89D13B50-39DD-4016-8DE9-0FD1AB533C8D}" type="datetimeFigureOut">
               <a:rPr lang="es-CL" smtClean="0"/>
-              <a:t>01-04-2024</a:t>
+              <a:t>02-04-2024</a:t>
             </a:fld>
             <a:endParaRPr lang="es-CL"/>
           </a:p>
@@ -53864,7 +53864,7 @@
           <a:p>
             <a:fld id="{89D13B50-39DD-4016-8DE9-0FD1AB533C8D}" type="datetimeFigureOut">
               <a:rPr lang="es-CL" smtClean="0"/>
-              <a:t>01-04-2024</a:t>
+              <a:t>02-04-2024</a:t>
             </a:fld>
             <a:endParaRPr lang="es-CL"/>
           </a:p>
@@ -54177,7 +54177,7 @@
           <a:p>
             <a:fld id="{89D13B50-39DD-4016-8DE9-0FD1AB533C8D}" type="datetimeFigureOut">
               <a:rPr lang="es-CL" smtClean="0"/>
-              <a:t>01-04-2024</a:t>
+              <a:t>02-04-2024</a:t>
             </a:fld>
             <a:endParaRPr lang="es-CL"/>
           </a:p>
@@ -54466,7 +54466,7 @@
           <a:p>
             <a:fld id="{89D13B50-39DD-4016-8DE9-0FD1AB533C8D}" type="datetimeFigureOut">
               <a:rPr lang="es-CL" smtClean="0"/>
-              <a:t>01-04-2024</a:t>
+              <a:t>02-04-2024</a:t>
             </a:fld>
             <a:endParaRPr lang="es-CL"/>
           </a:p>
@@ -54709,7 +54709,7 @@
           <a:p>
             <a:fld id="{89D13B50-39DD-4016-8DE9-0FD1AB533C8D}" type="datetimeFigureOut">
               <a:rPr lang="es-CL" smtClean="0"/>
-              <a:t>01-04-2024</a:t>
+              <a:t>02-04-2024</a:t>
             </a:fld>
             <a:endParaRPr lang="es-CL"/>
           </a:p>

--- a/PPT - Avance  (Marzo, 2024).pptx
+++ b/PPT - Avance  (Marzo, 2024).pptx
@@ -558,7 +558,17 @@
   <c:chart>
     <c:autoTitleDeleted val="1"/>
     <c:plotArea>
-      <c:layout/>
+      <c:layout>
+        <c:manualLayout>
+          <c:layoutTarget val="inner"/>
+          <c:xMode val="edge"/>
+          <c:yMode val="edge"/>
+          <c:x val="1.3285024154589372E-2"/>
+          <c:y val="3.7942352444236695E-2"/>
+          <c:w val="0.97342995169082125"/>
+          <c:h val="0.87346696579305028"/>
+        </c:manualLayout>
+      </c:layout>
       <c:barChart>
         <c:barDir val="col"/>
         <c:grouping val="clustered"/>
@@ -577,26 +587,7 @@
           </c:spPr>
           <c:invertIfNegative val="0"/>
           <c:dPt>
-            <c:idx val="0"/>
-            <c:invertIfNegative val="0"/>
-            <c:bubble3D val="0"/>
-            <c:spPr>
-              <a:solidFill>
-                <a:srgbClr val="00B050"/>
-              </a:solidFill>
-              <a:ln>
-                <a:noFill/>
-              </a:ln>
-              <a:effectLst/>
-            </c:spPr>
-            <c:extLst>
-              <c:ext xmlns:c16="http://schemas.microsoft.com/office/drawing/2014/chart" uri="{C3380CC4-5D6E-409C-BE32-E72D297353CC}">
-                <c16:uniqueId val="{00000000-9702-4056-8F4D-CC56874C9318}"/>
-              </c:ext>
-            </c:extLst>
-          </c:dPt>
-          <c:dPt>
-            <c:idx val="1"/>
+            <c:idx val="5"/>
             <c:invertIfNegative val="0"/>
             <c:bubble3D val="0"/>
             <c:spPr>
@@ -611,14 +602,28 @@
               </a:ln>
               <a:effectLst/>
             </c:spPr>
+          </c:dPt>
+          <c:dPt>
+            <c:idx val="9"/>
+            <c:invertIfNegative val="0"/>
+            <c:bubble3D val="0"/>
+            <c:spPr>
+              <a:solidFill>
+                <a:srgbClr val="FFFF00"/>
+              </a:solidFill>
+              <a:ln>
+                <a:noFill/>
+              </a:ln>
+              <a:effectLst/>
+            </c:spPr>
             <c:extLst>
               <c:ext xmlns:c16="http://schemas.microsoft.com/office/drawing/2014/chart" uri="{C3380CC4-5D6E-409C-BE32-E72D297353CC}">
-                <c16:uniqueId val="{00000001-9702-4056-8F4D-CC56874C9318}"/>
+                <c16:uniqueId val="{00000006-109F-4800-A851-A947156526FC}"/>
               </c:ext>
             </c:extLst>
           </c:dPt>
           <c:dPt>
-            <c:idx val="2"/>
+            <c:idx val="15"/>
             <c:invertIfNegative val="0"/>
             <c:bubble3D val="0"/>
             <c:spPr>
@@ -633,9 +638,56 @@
               </a:ln>
               <a:effectLst/>
             </c:spPr>
+          </c:dPt>
+          <c:dPt>
+            <c:idx val="17"/>
+            <c:invertIfNegative val="0"/>
+            <c:bubble3D val="0"/>
+            <c:spPr>
+              <a:solidFill>
+                <a:srgbClr val="FFFF00"/>
+              </a:solidFill>
+              <a:ln>
+                <a:noFill/>
+              </a:ln>
+              <a:effectLst/>
+            </c:spPr>
             <c:extLst>
               <c:ext xmlns:c16="http://schemas.microsoft.com/office/drawing/2014/chart" uri="{C3380CC4-5D6E-409C-BE32-E72D297353CC}">
-                <c16:uniqueId val="{00000002-9702-4056-8F4D-CC56874C9318}"/>
+                <c16:uniqueId val="{00000007-109F-4800-A851-A947156526FC}"/>
+              </c:ext>
+            </c:extLst>
+          </c:dPt>
+          <c:dPt>
+            <c:idx val="19"/>
+            <c:invertIfNegative val="0"/>
+            <c:bubble3D val="0"/>
+            <c:spPr>
+              <a:solidFill>
+                <a:srgbClr val="00B050"/>
+              </a:solidFill>
+              <a:ln>
+                <a:noFill/>
+              </a:ln>
+              <a:effectLst/>
+            </c:spPr>
+          </c:dPt>
+          <c:dPt>
+            <c:idx val="20"/>
+            <c:invertIfNegative val="0"/>
+            <c:bubble3D val="0"/>
+            <c:spPr>
+              <a:solidFill>
+                <a:srgbClr val="FFFF00"/>
+              </a:solidFill>
+              <a:ln>
+                <a:noFill/>
+              </a:ln>
+              <a:effectLst/>
+            </c:spPr>
+            <c:extLst>
+              <c:ext xmlns:c16="http://schemas.microsoft.com/office/drawing/2014/chart" uri="{C3380CC4-5D6E-409C-BE32-E72D297353CC}">
+                <c16:uniqueId val="{00000008-109F-4800-A851-A947156526FC}"/>
               </c:ext>
             </c:extLst>
           </c:dPt>
@@ -698,65 +750,155 @@
           </c:dLbls>
           <c:cat>
             <c:strRef>
-              <c:f>ano_inicio!$A$2:$A$9</c:f>
+              <c:f>ano_inicio!$A$2:$A$24</c:f>
               <c:strCache>
-                <c:ptCount val="8"/>
+                <c:ptCount val="23"/>
                 <c:pt idx="0">
+                  <c:v>1980</c:v>
+                </c:pt>
+                <c:pt idx="1">
+                  <c:v>1991</c:v>
+                </c:pt>
+                <c:pt idx="2">
+                  <c:v>1995</c:v>
+                </c:pt>
+                <c:pt idx="3">
+                  <c:v>1996</c:v>
+                </c:pt>
+                <c:pt idx="4">
+                  <c:v>1999</c:v>
+                </c:pt>
+                <c:pt idx="5">
+                  <c:v>2000</c:v>
+                </c:pt>
+                <c:pt idx="6">
+                  <c:v>2001</c:v>
+                </c:pt>
+                <c:pt idx="7">
+                  <c:v>2002</c:v>
+                </c:pt>
+                <c:pt idx="8">
+                  <c:v>2008</c:v>
+                </c:pt>
+                <c:pt idx="9">
+                  <c:v>2010</c:v>
+                </c:pt>
+                <c:pt idx="10">
+                  <c:v>2011</c:v>
+                </c:pt>
+                <c:pt idx="11">
+                  <c:v>2012</c:v>
+                </c:pt>
+                <c:pt idx="12">
+                  <c:v>2013</c:v>
+                </c:pt>
+                <c:pt idx="13">
+                  <c:v>2014</c:v>
+                </c:pt>
+                <c:pt idx="14">
+                  <c:v>2015</c:v>
+                </c:pt>
+                <c:pt idx="15">
+                  <c:v>2016</c:v>
+                </c:pt>
+                <c:pt idx="16">
+                  <c:v>2017</c:v>
+                </c:pt>
+                <c:pt idx="17">
+                  <c:v>2018</c:v>
+                </c:pt>
+                <c:pt idx="18">
+                  <c:v>2019</c:v>
+                </c:pt>
+                <c:pt idx="19">
                   <c:v>2020</c:v>
                 </c:pt>
-                <c:pt idx="1">
-                  <c:v>2000</c:v>
-                </c:pt>
-                <c:pt idx="2">
-                  <c:v>2016</c:v>
-                </c:pt>
-                <c:pt idx="3">
-                  <c:v>2010</c:v>
-                </c:pt>
-                <c:pt idx="4">
-                  <c:v>2018</c:v>
-                </c:pt>
-                <c:pt idx="5">
+                <c:pt idx="20">
                   <c:v>2021</c:v>
                 </c:pt>
-                <c:pt idx="6">
-                  <c:v>2008</c:v>
+                <c:pt idx="21">
+                  <c:v>2022</c:v>
                 </c:pt>
-                <c:pt idx="7">
-                  <c:v>2019</c:v>
+                <c:pt idx="22">
+                  <c:v>2023</c:v>
                 </c:pt>
               </c:strCache>
             </c:strRef>
           </c:cat>
           <c:val>
             <c:numRef>
-              <c:f>ano_inicio!$B$2:$B$9</c:f>
+              <c:f>ano_inicio!$B$2:$B$24</c:f>
               <c:numCache>
                 <c:formatCode>General</c:formatCode>
-                <c:ptCount val="8"/>
+                <c:ptCount val="23"/>
                 <c:pt idx="0">
+                  <c:v>3</c:v>
+                </c:pt>
+                <c:pt idx="1">
+                  <c:v>1</c:v>
+                </c:pt>
+                <c:pt idx="2">
+                  <c:v>1</c:v>
+                </c:pt>
+                <c:pt idx="3">
+                  <c:v>1</c:v>
+                </c:pt>
+                <c:pt idx="4">
+                  <c:v>1</c:v>
+                </c:pt>
+                <c:pt idx="5">
+                  <c:v>9</c:v>
+                </c:pt>
+                <c:pt idx="6">
+                  <c:v>1</c:v>
+                </c:pt>
+                <c:pt idx="7">
+                  <c:v>1</c:v>
+                </c:pt>
+                <c:pt idx="8">
+                  <c:v>4</c:v>
+                </c:pt>
+                <c:pt idx="9">
+                  <c:v>5</c:v>
+                </c:pt>
+                <c:pt idx="10">
+                  <c:v>2</c:v>
+                </c:pt>
+                <c:pt idx="11">
+                  <c:v>2</c:v>
+                </c:pt>
+                <c:pt idx="12">
+                  <c:v>3</c:v>
+                </c:pt>
+                <c:pt idx="13">
+                  <c:v>2</c:v>
+                </c:pt>
+                <c:pt idx="14">
+                  <c:v>1</c:v>
+                </c:pt>
+                <c:pt idx="15">
+                  <c:v>6</c:v>
+                </c:pt>
+                <c:pt idx="16">
+                  <c:v>3</c:v>
+                </c:pt>
+                <c:pt idx="17">
+                  <c:v>5</c:v>
+                </c:pt>
+                <c:pt idx="18">
+                  <c:v>4</c:v>
+                </c:pt>
+                <c:pt idx="19">
                   <c:v>11</c:v>
                 </c:pt>
-                <c:pt idx="1">
-                  <c:v>9</c:v>
-                </c:pt>
-                <c:pt idx="2">
-                  <c:v>6</c:v>
-                </c:pt>
-                <c:pt idx="3">
+                <c:pt idx="20">
                   <c:v>5</c:v>
                 </c:pt>
-                <c:pt idx="4">
-                  <c:v>5</c:v>
-                </c:pt>
-                <c:pt idx="5">
-                  <c:v>5</c:v>
-                </c:pt>
-                <c:pt idx="6">
+                <c:pt idx="21">
                   <c:v>4</c:v>
                 </c:pt>
-                <c:pt idx="7">
-                  <c:v>4</c:v>
+                <c:pt idx="22">
+                  <c:v>3</c:v>
                 </c:pt>
               </c:numCache>
             </c:numRef>
@@ -16511,18 +16653,18 @@
       <cx:numDim type="size">
         <cx:f>crisis_tipo_evento!$C$2:$C$13</cx:f>
         <cx:lvl ptCount="12" formatCode="0%">
-          <cx:pt idx="0">0.34799999999999998</cx:pt>
-          <cx:pt idx="1">0.14799999999999999</cx:pt>
-          <cx:pt idx="2">0.079000000000000001</cx:pt>
-          <cx:pt idx="3">0.058599999999999999</cx:pt>
-          <cx:pt idx="4">0.032199999999999999</cx:pt>
-          <cx:pt idx="5">0.032199999999999999</cx:pt>
-          <cx:pt idx="6">0.025000000000000001</cx:pt>
-          <cx:pt idx="7">0.025000000000000001</cx:pt>
-          <cx:pt idx="8">0.019</cx:pt>
-          <cx:pt idx="9">0.012</cx:pt>
-          <cx:pt idx="10">0.012</cx:pt>
-          <cx:pt idx="11">0.012</cx:pt>
+          <cx:pt idx="0">0.69230769230769229</cx:pt>
+          <cx:pt idx="1">0.29487179487179488</cx:pt>
+          <cx:pt idx="2">0.14102564102564102</cx:pt>
+          <cx:pt idx="3">0.11538461538461539</cx:pt>
+          <cx:pt idx="4">0.064102564102564111</cx:pt>
+          <cx:pt idx="5">0.064102564102564111</cx:pt>
+          <cx:pt idx="6">0.051282051282051287</cx:pt>
+          <cx:pt idx="7">0.051282051282051287</cx:pt>
+          <cx:pt idx="8">0.038461538461538464</cx:pt>
+          <cx:pt idx="9">0.025641025641025644</cx:pt>
+          <cx:pt idx="10">0.025641025641025644</cx:pt>
+          <cx:pt idx="11">0.025641025641025644</cx:pt>
         </cx:lvl>
       </cx:numDim>
     </cx:data>
@@ -52040,7 +52182,7 @@
           <a:p>
             <a:fld id="{89D13B50-39DD-4016-8DE9-0FD1AB533C8D}" type="datetimeFigureOut">
               <a:rPr lang="es-CL" smtClean="0"/>
-              <a:t>02-04-2024</a:t>
+              <a:t>08-04-2024</a:t>
             </a:fld>
             <a:endParaRPr lang="es-CL"/>
           </a:p>
@@ -52240,7 +52382,7 @@
           <a:p>
             <a:fld id="{89D13B50-39DD-4016-8DE9-0FD1AB533C8D}" type="datetimeFigureOut">
               <a:rPr lang="es-CL" smtClean="0"/>
-              <a:t>02-04-2024</a:t>
+              <a:t>08-04-2024</a:t>
             </a:fld>
             <a:endParaRPr lang="es-CL"/>
           </a:p>
@@ -52450,7 +52592,7 @@
           <a:p>
             <a:fld id="{89D13B50-39DD-4016-8DE9-0FD1AB533C8D}" type="datetimeFigureOut">
               <a:rPr lang="es-CL" smtClean="0"/>
-              <a:t>02-04-2024</a:t>
+              <a:t>08-04-2024</a:t>
             </a:fld>
             <a:endParaRPr lang="es-CL"/>
           </a:p>
@@ -52650,7 +52792,7 @@
           <a:p>
             <a:fld id="{89D13B50-39DD-4016-8DE9-0FD1AB533C8D}" type="datetimeFigureOut">
               <a:rPr lang="es-CL" smtClean="0"/>
-              <a:t>02-04-2024</a:t>
+              <a:t>08-04-2024</a:t>
             </a:fld>
             <a:endParaRPr lang="es-CL"/>
           </a:p>
@@ -52926,7 +53068,7 @@
           <a:p>
             <a:fld id="{89D13B50-39DD-4016-8DE9-0FD1AB533C8D}" type="datetimeFigureOut">
               <a:rPr lang="es-CL" smtClean="0"/>
-              <a:t>02-04-2024</a:t>
+              <a:t>08-04-2024</a:t>
             </a:fld>
             <a:endParaRPr lang="es-CL"/>
           </a:p>
@@ -53194,7 +53336,7 @@
           <a:p>
             <a:fld id="{89D13B50-39DD-4016-8DE9-0FD1AB533C8D}" type="datetimeFigureOut">
               <a:rPr lang="es-CL" smtClean="0"/>
-              <a:t>02-04-2024</a:t>
+              <a:t>08-04-2024</a:t>
             </a:fld>
             <a:endParaRPr lang="es-CL"/>
           </a:p>
@@ -53609,7 +53751,7 @@
           <a:p>
             <a:fld id="{89D13B50-39DD-4016-8DE9-0FD1AB533C8D}" type="datetimeFigureOut">
               <a:rPr lang="es-CL" smtClean="0"/>
-              <a:t>02-04-2024</a:t>
+              <a:t>08-04-2024</a:t>
             </a:fld>
             <a:endParaRPr lang="es-CL"/>
           </a:p>
@@ -53751,7 +53893,7 @@
           <a:p>
             <a:fld id="{89D13B50-39DD-4016-8DE9-0FD1AB533C8D}" type="datetimeFigureOut">
               <a:rPr lang="es-CL" smtClean="0"/>
-              <a:t>02-04-2024</a:t>
+              <a:t>08-04-2024</a:t>
             </a:fld>
             <a:endParaRPr lang="es-CL"/>
           </a:p>
@@ -53864,7 +54006,7 @@
           <a:p>
             <a:fld id="{89D13B50-39DD-4016-8DE9-0FD1AB533C8D}" type="datetimeFigureOut">
               <a:rPr lang="es-CL" smtClean="0"/>
-              <a:t>02-04-2024</a:t>
+              <a:t>08-04-2024</a:t>
             </a:fld>
             <a:endParaRPr lang="es-CL"/>
           </a:p>
@@ -54177,7 +54319,7 @@
           <a:p>
             <a:fld id="{89D13B50-39DD-4016-8DE9-0FD1AB533C8D}" type="datetimeFigureOut">
               <a:rPr lang="es-CL" smtClean="0"/>
-              <a:t>02-04-2024</a:t>
+              <a:t>08-04-2024</a:t>
             </a:fld>
             <a:endParaRPr lang="es-CL"/>
           </a:p>
@@ -54466,7 +54608,7 @@
           <a:p>
             <a:fld id="{89D13B50-39DD-4016-8DE9-0FD1AB533C8D}" type="datetimeFigureOut">
               <a:rPr lang="es-CL" smtClean="0"/>
-              <a:t>02-04-2024</a:t>
+              <a:t>08-04-2024</a:t>
             </a:fld>
             <a:endParaRPr lang="es-CL"/>
           </a:p>
@@ -54709,7 +54851,7 @@
           <a:p>
             <a:fld id="{89D13B50-39DD-4016-8DE9-0FD1AB533C8D}" type="datetimeFigureOut">
               <a:rPr lang="es-CL" smtClean="0"/>
-              <a:t>02-04-2024</a:t>
+              <a:t>08-04-2024</a:t>
             </a:fld>
             <a:endParaRPr lang="es-CL"/>
           </a:p>
@@ -55149,7 +55291,7 @@
           <a:p>
             <a:r>
               <a:rPr lang="es-MX" dirty="0"/>
-              <a:t>RESULTADOS</a:t>
+              <a:t>PRESENTACIÓN BORRADOR</a:t>
             </a:r>
             <a:endParaRPr lang="es-CL" dirty="0"/>
           </a:p>
@@ -55910,7 +56052,7 @@
             <p:ph idx="1"/>
             <p:extLst>
               <p:ext uri="{D42A27DB-BD31-4B8C-83A1-F6EECF244321}">
-                <p14:modId xmlns:p14="http://schemas.microsoft.com/office/powerpoint/2010/main" val="4119822438"/>
+                <p14:modId xmlns:p14="http://schemas.microsoft.com/office/powerpoint/2010/main" val="3715027480"/>
               </p:ext>
             </p:extLst>
           </p:nvPr>
@@ -56090,7 +56232,7 @@
             <p:ph idx="1"/>
             <p:extLst>
               <p:ext uri="{D42A27DB-BD31-4B8C-83A1-F6EECF244321}">
-                <p14:modId xmlns:p14="http://schemas.microsoft.com/office/powerpoint/2010/main" val="319853981"/>
+                <p14:modId xmlns:p14="http://schemas.microsoft.com/office/powerpoint/2010/main" val="3856182121"/>
               </p:ext>
             </p:extLst>
           </p:nvPr>
@@ -56693,8 +56835,8 @@
           </a:p>
         </p:txBody>
       </p:sp>
-      <mc:AlternateContent xmlns:mc="http://schemas.openxmlformats.org/markup-compatibility/2006" xmlns:cx1="http://schemas.microsoft.com/office/drawing/2015/9/8/chartex">
-        <mc:Choice Requires="cx1">
+      <mc:AlternateContent xmlns:mc="http://schemas.openxmlformats.org/markup-compatibility/2006">
+        <mc:Choice xmlns:cx1="http://schemas.microsoft.com/office/drawing/2015/9/8/chartex" Requires="cx1">
           <p:graphicFrame>
             <p:nvGraphicFramePr>
               <p:cNvPr id="6" name="Marcador de contenido 5">
@@ -56727,7 +56869,7 @@
             </a:graphic>
           </p:graphicFrame>
         </mc:Choice>
-        <mc:Fallback xmlns="">
+        <mc:Fallback>
           <p:pic>
             <p:nvPicPr>
               <p:cNvPr id="6" name="Marcador de contenido 5">
@@ -58614,8 +58756,8 @@
           </a:p>
         </p:txBody>
       </p:sp>
-      <mc:AlternateContent xmlns:mc="http://schemas.openxmlformats.org/markup-compatibility/2006" xmlns:cx1="http://schemas.microsoft.com/office/drawing/2015/9/8/chartex">
-        <mc:Choice Requires="cx1">
+      <mc:AlternateContent xmlns:mc="http://schemas.openxmlformats.org/markup-compatibility/2006">
+        <mc:Choice xmlns:cx1="http://schemas.microsoft.com/office/drawing/2015/9/8/chartex" Requires="cx1">
           <p:graphicFrame>
             <p:nvGraphicFramePr>
               <p:cNvPr id="7" name="Marcador de contenido 6">
@@ -58632,7 +58774,7 @@
                 <p:ph idx="1"/>
                 <p:extLst>
                   <p:ext uri="{D42A27DB-BD31-4B8C-83A1-F6EECF244321}">
-                    <p14:modId xmlns:p14="http://schemas.microsoft.com/office/powerpoint/2010/main" val="4001865312"/>
+                    <p14:modId xmlns:p14="http://schemas.microsoft.com/office/powerpoint/2010/main" val="3317122989"/>
                   </p:ext>
                 </p:extLst>
               </p:nvPr>
@@ -58648,7 +58790,7 @@
             </a:graphic>
           </p:graphicFrame>
         </mc:Choice>
-        <mc:Fallback xmlns="">
+        <mc:Fallback>
           <p:pic>
             <p:nvPicPr>
               <p:cNvPr id="7" name="Marcador de contenido 6">
@@ -61037,8 +61179,8 @@
           </a:p>
         </p:txBody>
       </p:sp>
-      <mc:AlternateContent xmlns:mc="http://schemas.openxmlformats.org/markup-compatibility/2006" xmlns:cx1="http://schemas.microsoft.com/office/drawing/2015/9/8/chartex">
-        <mc:Choice Requires="cx1">
+      <mc:AlternateContent xmlns:mc="http://schemas.openxmlformats.org/markup-compatibility/2006">
+        <mc:Choice xmlns:cx1="http://schemas.microsoft.com/office/drawing/2015/9/8/chartex" Requires="cx1">
           <p:graphicFrame>
             <p:nvGraphicFramePr>
               <p:cNvPr id="8" name="Marcador de contenido 7">
@@ -61055,7 +61197,7 @@
                 <p:ph idx="1"/>
                 <p:extLst>
                   <p:ext uri="{D42A27DB-BD31-4B8C-83A1-F6EECF244321}">
-                    <p14:modId xmlns:p14="http://schemas.microsoft.com/office/powerpoint/2010/main" val="3147043150"/>
+                    <p14:modId xmlns:p14="http://schemas.microsoft.com/office/powerpoint/2010/main" val="3638283014"/>
                   </p:ext>
                 </p:extLst>
               </p:nvPr>
@@ -61071,7 +61213,7 @@
             </a:graphic>
           </p:graphicFrame>
         </mc:Choice>
-        <mc:Fallback xmlns="">
+        <mc:Fallback>
           <p:pic>
             <p:nvPicPr>
               <p:cNvPr id="8" name="Marcador de contenido 7">
